--- a/액션&경영 RPG/스킬/스킬문서양식.pptx
+++ b/액션&경영 RPG/스킬/스킬문서양식.pptx
@@ -265,7 +265,7 @@
           <a:p>
             <a:fld id="{F8ADF8F0-391E-4C28-B3EC-FA94B0B80675}" type="datetimeFigureOut">
               <a:rPr lang="ko-KR" altLang="en-US" smtClean="0"/>
-              <a:t>2024-09-04</a:t>
+              <a:t>2024-09-05</a:t>
             </a:fld>
             <a:endParaRPr lang="ko-KR" altLang="en-US"/>
           </a:p>
@@ -463,7 +463,7 @@
           <a:p>
             <a:fld id="{F8ADF8F0-391E-4C28-B3EC-FA94B0B80675}" type="datetimeFigureOut">
               <a:rPr lang="ko-KR" altLang="en-US" smtClean="0"/>
-              <a:t>2024-09-04</a:t>
+              <a:t>2024-09-05</a:t>
             </a:fld>
             <a:endParaRPr lang="ko-KR" altLang="en-US"/>
           </a:p>
@@ -671,7 +671,7 @@
           <a:p>
             <a:fld id="{F8ADF8F0-391E-4C28-B3EC-FA94B0B80675}" type="datetimeFigureOut">
               <a:rPr lang="ko-KR" altLang="en-US" smtClean="0"/>
-              <a:t>2024-09-04</a:t>
+              <a:t>2024-09-05</a:t>
             </a:fld>
             <a:endParaRPr lang="ko-KR" altLang="en-US"/>
           </a:p>
@@ -869,7 +869,7 @@
           <a:p>
             <a:fld id="{F8ADF8F0-391E-4C28-B3EC-FA94B0B80675}" type="datetimeFigureOut">
               <a:rPr lang="ko-KR" altLang="en-US" smtClean="0"/>
-              <a:t>2024-09-04</a:t>
+              <a:t>2024-09-05</a:t>
             </a:fld>
             <a:endParaRPr lang="ko-KR" altLang="en-US"/>
           </a:p>
@@ -1144,7 +1144,7 @@
           <a:p>
             <a:fld id="{F8ADF8F0-391E-4C28-B3EC-FA94B0B80675}" type="datetimeFigureOut">
               <a:rPr lang="ko-KR" altLang="en-US" smtClean="0"/>
-              <a:t>2024-09-04</a:t>
+              <a:t>2024-09-05</a:t>
             </a:fld>
             <a:endParaRPr lang="ko-KR" altLang="en-US"/>
           </a:p>
@@ -1409,7 +1409,7 @@
           <a:p>
             <a:fld id="{F8ADF8F0-391E-4C28-B3EC-FA94B0B80675}" type="datetimeFigureOut">
               <a:rPr lang="ko-KR" altLang="en-US" smtClean="0"/>
-              <a:t>2024-09-04</a:t>
+              <a:t>2024-09-05</a:t>
             </a:fld>
             <a:endParaRPr lang="ko-KR" altLang="en-US"/>
           </a:p>
@@ -1821,7 +1821,7 @@
           <a:p>
             <a:fld id="{F8ADF8F0-391E-4C28-B3EC-FA94B0B80675}" type="datetimeFigureOut">
               <a:rPr lang="ko-KR" altLang="en-US" smtClean="0"/>
-              <a:t>2024-09-04</a:t>
+              <a:t>2024-09-05</a:t>
             </a:fld>
             <a:endParaRPr lang="ko-KR" altLang="en-US"/>
           </a:p>
@@ -1962,7 +1962,7 @@
           <a:p>
             <a:fld id="{F8ADF8F0-391E-4C28-B3EC-FA94B0B80675}" type="datetimeFigureOut">
               <a:rPr lang="ko-KR" altLang="en-US" smtClean="0"/>
-              <a:t>2024-09-04</a:t>
+              <a:t>2024-09-05</a:t>
             </a:fld>
             <a:endParaRPr lang="ko-KR" altLang="en-US"/>
           </a:p>
@@ -2075,7 +2075,7 @@
           <a:p>
             <a:fld id="{F8ADF8F0-391E-4C28-B3EC-FA94B0B80675}" type="datetimeFigureOut">
               <a:rPr lang="ko-KR" altLang="en-US" smtClean="0"/>
-              <a:t>2024-09-04</a:t>
+              <a:t>2024-09-05</a:t>
             </a:fld>
             <a:endParaRPr lang="ko-KR" altLang="en-US"/>
           </a:p>
@@ -2386,7 +2386,7 @@
           <a:p>
             <a:fld id="{F8ADF8F0-391E-4C28-B3EC-FA94B0B80675}" type="datetimeFigureOut">
               <a:rPr lang="ko-KR" altLang="en-US" smtClean="0"/>
-              <a:t>2024-09-04</a:t>
+              <a:t>2024-09-05</a:t>
             </a:fld>
             <a:endParaRPr lang="ko-KR" altLang="en-US"/>
           </a:p>
@@ -2674,7 +2674,7 @@
           <a:p>
             <a:fld id="{F8ADF8F0-391E-4C28-B3EC-FA94B0B80675}" type="datetimeFigureOut">
               <a:rPr lang="ko-KR" altLang="en-US" smtClean="0"/>
-              <a:t>2024-09-04</a:t>
+              <a:t>2024-09-05</a:t>
             </a:fld>
             <a:endParaRPr lang="ko-KR" altLang="en-US"/>
           </a:p>
@@ -2915,7 +2915,7 @@
           <a:p>
             <a:fld id="{F8ADF8F0-391E-4C28-B3EC-FA94B0B80675}" type="datetimeFigureOut">
               <a:rPr lang="ko-KR" altLang="en-US" smtClean="0"/>
-              <a:t>2024-09-04</a:t>
+              <a:t>2024-09-05</a:t>
             </a:fld>
             <a:endParaRPr lang="ko-KR" altLang="en-US"/>
           </a:p>
@@ -5434,6 +5434,144 @@
           <a:lnRef idx="2">
             <a:schemeClr val="accent1">
               <a:shade val="50000"/>
+            </a:schemeClr>
+          </a:lnRef>
+          <a:fillRef idx="1">
+            <a:schemeClr val="accent1"/>
+          </a:fillRef>
+          <a:effectRef idx="0">
+            <a:schemeClr val="accent1"/>
+          </a:effectRef>
+          <a:fontRef idx="minor">
+            <a:schemeClr val="lt1"/>
+          </a:fontRef>
+        </p:style>
+        <p:txBody>
+          <a:bodyPr rtlCol="0" anchor="ctr"/>
+          <a:lstStyle/>
+          <a:p>
+            <a:pPr algn="ctr"/>
+            <a:endParaRPr lang="ko-KR" altLang="en-US"/>
+          </a:p>
+        </p:txBody>
+      </p:sp>
+      <p:sp>
+        <p:nvSpPr>
+          <p:cNvPr id="2" name="직사각형 1">
+            <a:extLst>
+              <a:ext uri="{FF2B5EF4-FFF2-40B4-BE49-F238E27FC236}">
+                <a16:creationId xmlns:a16="http://schemas.microsoft.com/office/drawing/2014/main" id="{AAFE318E-3D5B-3127-5177-AEA1A08F6D01}"/>
+              </a:ext>
+            </a:extLst>
+          </p:cNvPr>
+          <p:cNvSpPr/>
+          <p:nvPr/>
+        </p:nvSpPr>
+        <p:spPr>
+          <a:xfrm>
+            <a:off x="302108" y="907611"/>
+            <a:ext cx="3862800" cy="5698572"/>
+          </a:xfrm>
+          <a:prstGeom prst="rect">
+            <a:avLst/>
+          </a:prstGeom>
+        </p:spPr>
+        <p:style>
+          <a:lnRef idx="2">
+            <a:schemeClr val="accent1">
+              <a:shade val="15000"/>
+            </a:schemeClr>
+          </a:lnRef>
+          <a:fillRef idx="1">
+            <a:schemeClr val="accent1"/>
+          </a:fillRef>
+          <a:effectRef idx="0">
+            <a:schemeClr val="accent1"/>
+          </a:effectRef>
+          <a:fontRef idx="minor">
+            <a:schemeClr val="lt1"/>
+          </a:fontRef>
+        </p:style>
+        <p:txBody>
+          <a:bodyPr rtlCol="0" anchor="ctr"/>
+          <a:lstStyle/>
+          <a:p>
+            <a:pPr algn="ctr"/>
+            <a:endParaRPr lang="ko-KR" altLang="en-US"/>
+          </a:p>
+        </p:txBody>
+      </p:sp>
+      <p:sp>
+        <p:nvSpPr>
+          <p:cNvPr id="3" name="직사각형 2">
+            <a:extLst>
+              <a:ext uri="{FF2B5EF4-FFF2-40B4-BE49-F238E27FC236}">
+                <a16:creationId xmlns:a16="http://schemas.microsoft.com/office/drawing/2014/main" id="{95970926-123D-EFB3-13DF-8471FA4320A0}"/>
+              </a:ext>
+            </a:extLst>
+          </p:cNvPr>
+          <p:cNvSpPr/>
+          <p:nvPr/>
+        </p:nvSpPr>
+        <p:spPr>
+          <a:xfrm>
+            <a:off x="4169023" y="907611"/>
+            <a:ext cx="3862800" cy="5698574"/>
+          </a:xfrm>
+          <a:prstGeom prst="rect">
+            <a:avLst/>
+          </a:prstGeom>
+        </p:spPr>
+        <p:style>
+          <a:lnRef idx="2">
+            <a:schemeClr val="accent1">
+              <a:shade val="15000"/>
+            </a:schemeClr>
+          </a:lnRef>
+          <a:fillRef idx="1">
+            <a:schemeClr val="accent1"/>
+          </a:fillRef>
+          <a:effectRef idx="0">
+            <a:schemeClr val="accent1"/>
+          </a:effectRef>
+          <a:fontRef idx="minor">
+            <a:schemeClr val="lt1"/>
+          </a:fontRef>
+        </p:style>
+        <p:txBody>
+          <a:bodyPr rtlCol="0" anchor="ctr"/>
+          <a:lstStyle/>
+          <a:p>
+            <a:pPr algn="ctr"/>
+            <a:endParaRPr lang="ko-KR" altLang="en-US"/>
+          </a:p>
+        </p:txBody>
+      </p:sp>
+      <p:sp>
+        <p:nvSpPr>
+          <p:cNvPr id="4" name="직사각형 3">
+            <a:extLst>
+              <a:ext uri="{FF2B5EF4-FFF2-40B4-BE49-F238E27FC236}">
+                <a16:creationId xmlns:a16="http://schemas.microsoft.com/office/drawing/2014/main" id="{CCF2611A-4EAB-2E59-D55D-E113CA329B42}"/>
+              </a:ext>
+            </a:extLst>
+          </p:cNvPr>
+          <p:cNvSpPr/>
+          <p:nvPr/>
+        </p:nvSpPr>
+        <p:spPr>
+          <a:xfrm>
+            <a:off x="8027092" y="907611"/>
+            <a:ext cx="3862800" cy="5698574"/>
+          </a:xfrm>
+          <a:prstGeom prst="rect">
+            <a:avLst/>
+          </a:prstGeom>
+        </p:spPr>
+        <p:style>
+          <a:lnRef idx="2">
+            <a:schemeClr val="accent1">
+              <a:shade val="15000"/>
             </a:schemeClr>
           </a:lnRef>
           <a:fillRef idx="1">

--- a/액션&경영 RPG/스킬/스킬문서양식.pptx
+++ b/액션&경영 RPG/스킬/스킬문서양식.pptx
@@ -12,6 +12,8 @@
     <p:sldId id="262" r:id="rId6"/>
     <p:sldId id="260" r:id="rId7"/>
     <p:sldId id="257" r:id="rId8"/>
+    <p:sldId id="268" r:id="rId9"/>
+    <p:sldId id="267" r:id="rId10"/>
   </p:sldIdLst>
   <p:sldSz cx="12192000" cy="6858000"/>
   <p:notesSz cx="6858000" cy="9144000"/>
@@ -265,7 +267,7 @@
           <a:p>
             <a:fld id="{F8ADF8F0-391E-4C28-B3EC-FA94B0B80675}" type="datetimeFigureOut">
               <a:rPr lang="ko-KR" altLang="en-US" smtClean="0"/>
-              <a:t>2024-09-05</a:t>
+              <a:t>2024-09-23</a:t>
             </a:fld>
             <a:endParaRPr lang="ko-KR" altLang="en-US"/>
           </a:p>
@@ -463,7 +465,7 @@
           <a:p>
             <a:fld id="{F8ADF8F0-391E-4C28-B3EC-FA94B0B80675}" type="datetimeFigureOut">
               <a:rPr lang="ko-KR" altLang="en-US" smtClean="0"/>
-              <a:t>2024-09-05</a:t>
+              <a:t>2024-09-23</a:t>
             </a:fld>
             <a:endParaRPr lang="ko-KR" altLang="en-US"/>
           </a:p>
@@ -671,7 +673,7 @@
           <a:p>
             <a:fld id="{F8ADF8F0-391E-4C28-B3EC-FA94B0B80675}" type="datetimeFigureOut">
               <a:rPr lang="ko-KR" altLang="en-US" smtClean="0"/>
-              <a:t>2024-09-05</a:t>
+              <a:t>2024-09-23</a:t>
             </a:fld>
             <a:endParaRPr lang="ko-KR" altLang="en-US"/>
           </a:p>
@@ -869,7 +871,7 @@
           <a:p>
             <a:fld id="{F8ADF8F0-391E-4C28-B3EC-FA94B0B80675}" type="datetimeFigureOut">
               <a:rPr lang="ko-KR" altLang="en-US" smtClean="0"/>
-              <a:t>2024-09-05</a:t>
+              <a:t>2024-09-23</a:t>
             </a:fld>
             <a:endParaRPr lang="ko-KR" altLang="en-US"/>
           </a:p>
@@ -1144,7 +1146,7 @@
           <a:p>
             <a:fld id="{F8ADF8F0-391E-4C28-B3EC-FA94B0B80675}" type="datetimeFigureOut">
               <a:rPr lang="ko-KR" altLang="en-US" smtClean="0"/>
-              <a:t>2024-09-05</a:t>
+              <a:t>2024-09-23</a:t>
             </a:fld>
             <a:endParaRPr lang="ko-KR" altLang="en-US"/>
           </a:p>
@@ -1409,7 +1411,7 @@
           <a:p>
             <a:fld id="{F8ADF8F0-391E-4C28-B3EC-FA94B0B80675}" type="datetimeFigureOut">
               <a:rPr lang="ko-KR" altLang="en-US" smtClean="0"/>
-              <a:t>2024-09-05</a:t>
+              <a:t>2024-09-23</a:t>
             </a:fld>
             <a:endParaRPr lang="ko-KR" altLang="en-US"/>
           </a:p>
@@ -1821,7 +1823,7 @@
           <a:p>
             <a:fld id="{F8ADF8F0-391E-4C28-B3EC-FA94B0B80675}" type="datetimeFigureOut">
               <a:rPr lang="ko-KR" altLang="en-US" smtClean="0"/>
-              <a:t>2024-09-05</a:t>
+              <a:t>2024-09-23</a:t>
             </a:fld>
             <a:endParaRPr lang="ko-KR" altLang="en-US"/>
           </a:p>
@@ -1962,7 +1964,7 @@
           <a:p>
             <a:fld id="{F8ADF8F0-391E-4C28-B3EC-FA94B0B80675}" type="datetimeFigureOut">
               <a:rPr lang="ko-KR" altLang="en-US" smtClean="0"/>
-              <a:t>2024-09-05</a:t>
+              <a:t>2024-09-23</a:t>
             </a:fld>
             <a:endParaRPr lang="ko-KR" altLang="en-US"/>
           </a:p>
@@ -2075,7 +2077,7 @@
           <a:p>
             <a:fld id="{F8ADF8F0-391E-4C28-B3EC-FA94B0B80675}" type="datetimeFigureOut">
               <a:rPr lang="ko-KR" altLang="en-US" smtClean="0"/>
-              <a:t>2024-09-05</a:t>
+              <a:t>2024-09-23</a:t>
             </a:fld>
             <a:endParaRPr lang="ko-KR" altLang="en-US"/>
           </a:p>
@@ -2386,7 +2388,7 @@
           <a:p>
             <a:fld id="{F8ADF8F0-391E-4C28-B3EC-FA94B0B80675}" type="datetimeFigureOut">
               <a:rPr lang="ko-KR" altLang="en-US" smtClean="0"/>
-              <a:t>2024-09-05</a:t>
+              <a:t>2024-09-23</a:t>
             </a:fld>
             <a:endParaRPr lang="ko-KR" altLang="en-US"/>
           </a:p>
@@ -2674,7 +2676,7 @@
           <a:p>
             <a:fld id="{F8ADF8F0-391E-4C28-B3EC-FA94B0B80675}" type="datetimeFigureOut">
               <a:rPr lang="ko-KR" altLang="en-US" smtClean="0"/>
-              <a:t>2024-09-05</a:t>
+              <a:t>2024-09-23</a:t>
             </a:fld>
             <a:endParaRPr lang="ko-KR" altLang="en-US"/>
           </a:p>
@@ -2915,7 +2917,7 @@
           <a:p>
             <a:fld id="{F8ADF8F0-391E-4C28-B3EC-FA94B0B80675}" type="datetimeFigureOut">
               <a:rPr lang="ko-KR" altLang="en-US" smtClean="0"/>
-              <a:t>2024-09-05</a:t>
+              <a:t>2024-09-23</a:t>
             </a:fld>
             <a:endParaRPr lang="ko-KR" altLang="en-US"/>
           </a:p>
@@ -7323,6 +7325,3744 @@
     <p:extLst>
       <p:ext uri="{BB962C8B-B14F-4D97-AF65-F5344CB8AC3E}">
         <p14:creationId xmlns:p14="http://schemas.microsoft.com/office/powerpoint/2010/main" val="2174009598"/>
+      </p:ext>
+    </p:extLst>
+  </p:cSld>
+  <p:clrMapOvr>
+    <a:masterClrMapping/>
+  </p:clrMapOvr>
+</p:sld>
+</file>
+
+<file path=ppt/slides/slide8.xml><?xml version="1.0" encoding="utf-8"?>
+<p:sld xmlns:a="http://schemas.openxmlformats.org/drawingml/2006/main" xmlns:r="http://schemas.openxmlformats.org/officeDocument/2006/relationships" xmlns:p="http://schemas.openxmlformats.org/presentationml/2006/main">
+  <p:cSld>
+    <p:spTree>
+      <p:nvGrpSpPr>
+        <p:cNvPr id="1" name=""/>
+        <p:cNvGrpSpPr/>
+        <p:nvPr/>
+      </p:nvGrpSpPr>
+      <p:grpSpPr>
+        <a:xfrm>
+          <a:off x="0" y="0"/>
+          <a:ext cx="0" cy="0"/>
+          <a:chOff x="0" y="0"/>
+          <a:chExt cx="0" cy="0"/>
+        </a:xfrm>
+      </p:grpSpPr>
+      <p:sp>
+        <p:nvSpPr>
+          <p:cNvPr id="24" name="사각형: 둥근 모서리 23">
+            <a:extLst>
+              <a:ext uri="{FF2B5EF4-FFF2-40B4-BE49-F238E27FC236}">
+                <a16:creationId xmlns:a16="http://schemas.microsoft.com/office/drawing/2014/main" id="{FA2F7DEA-A6BD-7CD5-41E7-E27EC00E72AE}"/>
+              </a:ext>
+            </a:extLst>
+          </p:cNvPr>
+          <p:cNvSpPr/>
+          <p:nvPr/>
+        </p:nvSpPr>
+        <p:spPr>
+          <a:xfrm>
+            <a:off x="360045" y="1958394"/>
+            <a:ext cx="7266432" cy="863688"/>
+          </a:xfrm>
+          <a:prstGeom prst="roundRect">
+            <a:avLst>
+              <a:gd name="adj" fmla="val 7491"/>
+            </a:avLst>
+          </a:prstGeom>
+          <a:noFill/>
+          <a:ln w="12700">
+            <a:solidFill>
+              <a:srgbClr val="0A6D94"/>
+            </a:solidFill>
+          </a:ln>
+        </p:spPr>
+        <p:style>
+          <a:lnRef idx="2">
+            <a:schemeClr val="accent1">
+              <a:shade val="15000"/>
+            </a:schemeClr>
+          </a:lnRef>
+          <a:fillRef idx="1">
+            <a:schemeClr val="accent1"/>
+          </a:fillRef>
+          <a:effectRef idx="0">
+            <a:schemeClr val="accent1"/>
+          </a:effectRef>
+          <a:fontRef idx="minor">
+            <a:schemeClr val="lt1"/>
+          </a:fontRef>
+        </p:style>
+        <p:txBody>
+          <a:bodyPr rtlCol="0" anchor="ctr"/>
+          <a:lstStyle/>
+          <a:p>
+            <a:pPr algn="ctr"/>
+            <a:endParaRPr lang="ko-KR" altLang="en-US"/>
+          </a:p>
+        </p:txBody>
+      </p:sp>
+      <p:sp>
+        <p:nvSpPr>
+          <p:cNvPr id="20" name="화살표: 오각형 19">
+            <a:extLst>
+              <a:ext uri="{FF2B5EF4-FFF2-40B4-BE49-F238E27FC236}">
+                <a16:creationId xmlns:a16="http://schemas.microsoft.com/office/drawing/2014/main" id="{267681E7-B45E-AF02-DB4C-A39B1EB8C192}"/>
+              </a:ext>
+            </a:extLst>
+          </p:cNvPr>
+          <p:cNvSpPr/>
+          <p:nvPr/>
+        </p:nvSpPr>
+        <p:spPr>
+          <a:xfrm>
+            <a:off x="1" y="994687"/>
+            <a:ext cx="1702282" cy="404461"/>
+          </a:xfrm>
+          <a:prstGeom prst="homePlate">
+            <a:avLst/>
+          </a:prstGeom>
+          <a:solidFill>
+            <a:schemeClr val="bg1"/>
+          </a:solidFill>
+          <a:ln w="19050">
+            <a:solidFill>
+              <a:srgbClr val="0A6D94"/>
+            </a:solidFill>
+          </a:ln>
+        </p:spPr>
+        <p:style>
+          <a:lnRef idx="2">
+            <a:schemeClr val="accent1">
+              <a:shade val="15000"/>
+            </a:schemeClr>
+          </a:lnRef>
+          <a:fillRef idx="1">
+            <a:schemeClr val="accent1"/>
+          </a:fillRef>
+          <a:effectRef idx="0">
+            <a:schemeClr val="accent1"/>
+          </a:effectRef>
+          <a:fontRef idx="minor">
+            <a:schemeClr val="lt1"/>
+          </a:fontRef>
+        </p:style>
+        <p:txBody>
+          <a:bodyPr rtlCol="0" anchor="ctr"/>
+          <a:lstStyle/>
+          <a:p>
+            <a:pPr algn="ctr"/>
+            <a:endParaRPr lang="ko-KR" altLang="en-US"/>
+          </a:p>
+        </p:txBody>
+      </p:sp>
+      <p:grpSp>
+        <p:nvGrpSpPr>
+          <p:cNvPr id="42" name="그룹 41">
+            <a:extLst>
+              <a:ext uri="{FF2B5EF4-FFF2-40B4-BE49-F238E27FC236}">
+                <a16:creationId xmlns:a16="http://schemas.microsoft.com/office/drawing/2014/main" id="{42655F23-37B8-4AFA-B33E-136378ECAF83}"/>
+              </a:ext>
+            </a:extLst>
+          </p:cNvPr>
+          <p:cNvGrpSpPr>
+            <a:grpSpLocks/>
+          </p:cNvGrpSpPr>
+          <p:nvPr/>
+        </p:nvGrpSpPr>
+        <p:grpSpPr>
+          <a:xfrm>
+            <a:off x="3506012" y="181080"/>
+            <a:ext cx="1600200" cy="403080"/>
+            <a:chOff x="4391025" y="108202"/>
+            <a:chExt cx="1600200" cy="524755"/>
+          </a:xfrm>
+          <a:solidFill>
+            <a:schemeClr val="bg1">
+              <a:lumMod val="95000"/>
+            </a:schemeClr>
+          </a:solidFill>
+        </p:grpSpPr>
+        <p:sp>
+          <p:nvSpPr>
+            <p:cNvPr id="44" name="평행 사변형 43">
+              <a:extLst>
+                <a:ext uri="{FF2B5EF4-FFF2-40B4-BE49-F238E27FC236}">
+                  <a16:creationId xmlns:a16="http://schemas.microsoft.com/office/drawing/2014/main" id="{CDB45949-2375-4698-8757-5E1F490E8367}"/>
+                </a:ext>
+              </a:extLst>
+            </p:cNvPr>
+            <p:cNvSpPr>
+              <a:spLocks/>
+            </p:cNvSpPr>
+            <p:nvPr/>
+          </p:nvSpPr>
+          <p:spPr>
+            <a:xfrm>
+              <a:off x="4391025" y="108202"/>
+              <a:ext cx="1600200" cy="524755"/>
+            </a:xfrm>
+            <a:prstGeom prst="parallelogram">
+              <a:avLst>
+                <a:gd name="adj" fmla="val 49299"/>
+              </a:avLst>
+            </a:prstGeom>
+            <a:grpFill/>
+            <a:ln>
+              <a:noFill/>
+            </a:ln>
+          </p:spPr>
+          <p:style>
+            <a:lnRef idx="2">
+              <a:schemeClr val="accent1">
+                <a:shade val="50000"/>
+              </a:schemeClr>
+            </a:lnRef>
+            <a:fillRef idx="1">
+              <a:schemeClr val="accent1"/>
+            </a:fillRef>
+            <a:effectRef idx="0">
+              <a:schemeClr val="accent1"/>
+            </a:effectRef>
+            <a:fontRef idx="minor">
+              <a:schemeClr val="lt1"/>
+            </a:fontRef>
+          </p:style>
+          <p:txBody>
+            <a:bodyPr rtlCol="0" anchor="ctr"/>
+            <a:lstStyle/>
+            <a:p>
+              <a:pPr algn="ctr"/>
+              <a:endParaRPr lang="ko-KR" altLang="en-US" sz="1000">
+                <a:solidFill>
+                  <a:schemeClr val="bg1">
+                    <a:lumMod val="50000"/>
+                  </a:schemeClr>
+                </a:solidFill>
+              </a:endParaRPr>
+            </a:p>
+          </p:txBody>
+        </p:sp>
+        <p:sp>
+          <p:nvSpPr>
+            <p:cNvPr id="45" name="TextBox 44">
+              <a:extLst>
+                <a:ext uri="{FF2B5EF4-FFF2-40B4-BE49-F238E27FC236}">
+                  <a16:creationId xmlns:a16="http://schemas.microsoft.com/office/drawing/2014/main" id="{34889474-D76A-48E4-9376-2EF32B706AC9}"/>
+                </a:ext>
+              </a:extLst>
+            </p:cNvPr>
+            <p:cNvSpPr txBox="1">
+              <a:spLocks/>
+            </p:cNvSpPr>
+            <p:nvPr/>
+          </p:nvSpPr>
+          <p:spPr>
+            <a:xfrm>
+              <a:off x="4791817" y="200289"/>
+              <a:ext cx="742511" cy="320546"/>
+            </a:xfrm>
+            <a:prstGeom prst="rect">
+              <a:avLst/>
+            </a:prstGeom>
+            <a:grpFill/>
+          </p:spPr>
+          <p:txBody>
+            <a:bodyPr wrap="none" rtlCol="0">
+              <a:spAutoFit/>
+            </a:bodyPr>
+            <a:lstStyle/>
+            <a:p>
+              <a:r>
+                <a:rPr lang="ko-KR" altLang="en-US" sz="1000" b="1" dirty="0">
+                  <a:solidFill>
+                    <a:schemeClr val="bg1">
+                      <a:lumMod val="50000"/>
+                    </a:schemeClr>
+                  </a:solidFill>
+                  <a:effectLst/>
+                </a:rPr>
+                <a:t>기본 모션</a:t>
+              </a:r>
+              <a:endParaRPr lang="en-US" altLang="ko-KR" sz="1000" b="1" dirty="0">
+                <a:solidFill>
+                  <a:schemeClr val="bg1">
+                    <a:lumMod val="50000"/>
+                  </a:schemeClr>
+                </a:solidFill>
+                <a:effectLst/>
+              </a:endParaRPr>
+            </a:p>
+          </p:txBody>
+        </p:sp>
+      </p:grpSp>
+      <p:grpSp>
+        <p:nvGrpSpPr>
+          <p:cNvPr id="46" name="그룹 45">
+            <a:extLst>
+              <a:ext uri="{FF2B5EF4-FFF2-40B4-BE49-F238E27FC236}">
+                <a16:creationId xmlns:a16="http://schemas.microsoft.com/office/drawing/2014/main" id="{EE51AC58-AF94-4355-BA14-C3F7835900AD}"/>
+              </a:ext>
+            </a:extLst>
+          </p:cNvPr>
+          <p:cNvGrpSpPr>
+            <a:grpSpLocks/>
+          </p:cNvGrpSpPr>
+          <p:nvPr/>
+        </p:nvGrpSpPr>
+        <p:grpSpPr>
+          <a:xfrm>
+            <a:off x="5104149" y="181080"/>
+            <a:ext cx="1600200" cy="403080"/>
+            <a:chOff x="4391025" y="108202"/>
+            <a:chExt cx="1600200" cy="524755"/>
+          </a:xfrm>
+          <a:solidFill>
+            <a:schemeClr val="bg1">
+              <a:lumMod val="95000"/>
+            </a:schemeClr>
+          </a:solidFill>
+        </p:grpSpPr>
+        <p:sp>
+          <p:nvSpPr>
+            <p:cNvPr id="47" name="평행 사변형 46">
+              <a:extLst>
+                <a:ext uri="{FF2B5EF4-FFF2-40B4-BE49-F238E27FC236}">
+                  <a16:creationId xmlns:a16="http://schemas.microsoft.com/office/drawing/2014/main" id="{F0DD6F98-F2BB-43FD-9F1C-1BB9287C7433}"/>
+                </a:ext>
+              </a:extLst>
+            </p:cNvPr>
+            <p:cNvSpPr>
+              <a:spLocks/>
+            </p:cNvSpPr>
+            <p:nvPr/>
+          </p:nvSpPr>
+          <p:spPr>
+            <a:xfrm>
+              <a:off x="4391025" y="108202"/>
+              <a:ext cx="1600200" cy="524755"/>
+            </a:xfrm>
+            <a:prstGeom prst="parallelogram">
+              <a:avLst>
+                <a:gd name="adj" fmla="val 49299"/>
+              </a:avLst>
+            </a:prstGeom>
+            <a:grpFill/>
+            <a:ln>
+              <a:noFill/>
+            </a:ln>
+          </p:spPr>
+          <p:style>
+            <a:lnRef idx="2">
+              <a:schemeClr val="accent1">
+                <a:shade val="50000"/>
+              </a:schemeClr>
+            </a:lnRef>
+            <a:fillRef idx="1">
+              <a:schemeClr val="accent1"/>
+            </a:fillRef>
+            <a:effectRef idx="0">
+              <a:schemeClr val="accent1"/>
+            </a:effectRef>
+            <a:fontRef idx="minor">
+              <a:schemeClr val="lt1"/>
+            </a:fontRef>
+          </p:style>
+          <p:txBody>
+            <a:bodyPr rtlCol="0" anchor="ctr"/>
+            <a:lstStyle/>
+            <a:p>
+              <a:pPr algn="ctr"/>
+              <a:endParaRPr lang="ko-KR" altLang="en-US" sz="1000" dirty="0">
+                <a:solidFill>
+                  <a:schemeClr val="bg1">
+                    <a:lumMod val="50000"/>
+                  </a:schemeClr>
+                </a:solidFill>
+              </a:endParaRPr>
+            </a:p>
+          </p:txBody>
+        </p:sp>
+        <p:sp>
+          <p:nvSpPr>
+            <p:cNvPr id="48" name="TextBox 47">
+              <a:extLst>
+                <a:ext uri="{FF2B5EF4-FFF2-40B4-BE49-F238E27FC236}">
+                  <a16:creationId xmlns:a16="http://schemas.microsoft.com/office/drawing/2014/main" id="{F80F3253-C5AC-483B-BAB6-88E57716E386}"/>
+                </a:ext>
+              </a:extLst>
+            </p:cNvPr>
+            <p:cNvSpPr txBox="1">
+              <a:spLocks/>
+            </p:cNvSpPr>
+            <p:nvPr/>
+          </p:nvSpPr>
+          <p:spPr>
+            <a:xfrm>
+              <a:off x="4957728" y="200289"/>
+              <a:ext cx="441146" cy="320546"/>
+            </a:xfrm>
+            <a:prstGeom prst="rect">
+              <a:avLst/>
+            </a:prstGeom>
+            <a:grpFill/>
+          </p:spPr>
+          <p:txBody>
+            <a:bodyPr wrap="none" rtlCol="0">
+              <a:spAutoFit/>
+            </a:bodyPr>
+            <a:lstStyle/>
+            <a:p>
+              <a:r>
+                <a:rPr lang="ko-KR" altLang="en-US" sz="1000" b="1" dirty="0">
+                  <a:solidFill>
+                    <a:schemeClr val="bg1">
+                      <a:lumMod val="50000"/>
+                    </a:schemeClr>
+                  </a:solidFill>
+                  <a:effectLst/>
+                </a:rPr>
+                <a:t>스킬</a:t>
+              </a:r>
+              <a:endParaRPr lang="en-US" altLang="ko-KR" sz="1000" b="1" dirty="0">
+                <a:solidFill>
+                  <a:schemeClr val="bg1">
+                    <a:lumMod val="50000"/>
+                  </a:schemeClr>
+                </a:solidFill>
+                <a:effectLst/>
+              </a:endParaRPr>
+            </a:p>
+          </p:txBody>
+        </p:sp>
+      </p:grpSp>
+      <p:grpSp>
+        <p:nvGrpSpPr>
+          <p:cNvPr id="49" name="그룹 48">
+            <a:extLst>
+              <a:ext uri="{FF2B5EF4-FFF2-40B4-BE49-F238E27FC236}">
+                <a16:creationId xmlns:a16="http://schemas.microsoft.com/office/drawing/2014/main" id="{C22A3464-0356-4B1F-BC32-53F7D0FE6E8B}"/>
+              </a:ext>
+            </a:extLst>
+          </p:cNvPr>
+          <p:cNvGrpSpPr>
+            <a:grpSpLocks/>
+          </p:cNvGrpSpPr>
+          <p:nvPr/>
+        </p:nvGrpSpPr>
+        <p:grpSpPr>
+          <a:xfrm>
+            <a:off x="1907875" y="181080"/>
+            <a:ext cx="1600200" cy="403081"/>
+            <a:chOff x="4397331" y="108202"/>
+            <a:chExt cx="1600200" cy="524755"/>
+          </a:xfrm>
+          <a:solidFill>
+            <a:schemeClr val="bg1">
+              <a:lumMod val="95000"/>
+            </a:schemeClr>
+          </a:solidFill>
+        </p:grpSpPr>
+        <p:sp>
+          <p:nvSpPr>
+            <p:cNvPr id="50" name="평행 사변형 49">
+              <a:extLst>
+                <a:ext uri="{FF2B5EF4-FFF2-40B4-BE49-F238E27FC236}">
+                  <a16:creationId xmlns:a16="http://schemas.microsoft.com/office/drawing/2014/main" id="{BFF850DA-4447-4895-914D-5EC2A72633C8}"/>
+                </a:ext>
+              </a:extLst>
+            </p:cNvPr>
+            <p:cNvSpPr>
+              <a:spLocks/>
+            </p:cNvSpPr>
+            <p:nvPr/>
+          </p:nvSpPr>
+          <p:spPr>
+            <a:xfrm>
+              <a:off x="4397331" y="108202"/>
+              <a:ext cx="1600200" cy="524755"/>
+            </a:xfrm>
+            <a:prstGeom prst="parallelogram">
+              <a:avLst>
+                <a:gd name="adj" fmla="val 49299"/>
+              </a:avLst>
+            </a:prstGeom>
+            <a:grpFill/>
+            <a:ln>
+              <a:noFill/>
+            </a:ln>
+          </p:spPr>
+          <p:style>
+            <a:lnRef idx="2">
+              <a:schemeClr val="accent1">
+                <a:shade val="50000"/>
+              </a:schemeClr>
+            </a:lnRef>
+            <a:fillRef idx="1">
+              <a:schemeClr val="accent1"/>
+            </a:fillRef>
+            <a:effectRef idx="0">
+              <a:schemeClr val="accent1"/>
+            </a:effectRef>
+            <a:fontRef idx="minor">
+              <a:schemeClr val="lt1"/>
+            </a:fontRef>
+          </p:style>
+          <p:txBody>
+            <a:bodyPr rtlCol="0" anchor="ctr"/>
+            <a:lstStyle/>
+            <a:p>
+              <a:pPr algn="ctr"/>
+              <a:endParaRPr lang="ko-KR" altLang="en-US" sz="1000">
+                <a:solidFill>
+                  <a:schemeClr val="bg1">
+                    <a:lumMod val="50000"/>
+                  </a:schemeClr>
+                </a:solidFill>
+              </a:endParaRPr>
+            </a:p>
+          </p:txBody>
+        </p:sp>
+        <p:sp>
+          <p:nvSpPr>
+            <p:cNvPr id="51" name="TextBox 50">
+              <a:extLst>
+                <a:ext uri="{FF2B5EF4-FFF2-40B4-BE49-F238E27FC236}">
+                  <a16:creationId xmlns:a16="http://schemas.microsoft.com/office/drawing/2014/main" id="{654BA4F5-7770-40D8-BCA2-A2564F6C78D7}"/>
+                </a:ext>
+              </a:extLst>
+            </p:cNvPr>
+            <p:cNvSpPr txBox="1">
+              <a:spLocks/>
+            </p:cNvSpPr>
+            <p:nvPr/>
+          </p:nvSpPr>
+          <p:spPr>
+            <a:xfrm>
+              <a:off x="4791817" y="200289"/>
+              <a:ext cx="742511" cy="320545"/>
+            </a:xfrm>
+            <a:prstGeom prst="rect">
+              <a:avLst/>
+            </a:prstGeom>
+            <a:grpFill/>
+          </p:spPr>
+          <p:txBody>
+            <a:bodyPr wrap="none" rtlCol="0">
+              <a:spAutoFit/>
+            </a:bodyPr>
+            <a:lstStyle/>
+            <a:p>
+              <a:r>
+                <a:rPr lang="ko-KR" altLang="en-US" sz="1000" b="1" dirty="0">
+                  <a:solidFill>
+                    <a:schemeClr val="bg1">
+                      <a:lumMod val="50000"/>
+                    </a:schemeClr>
+                  </a:solidFill>
+                  <a:effectLst/>
+                </a:rPr>
+                <a:t>무기 소개</a:t>
+              </a:r>
+              <a:endParaRPr lang="en-US" altLang="ko-KR" sz="1000" b="1" dirty="0">
+                <a:solidFill>
+                  <a:schemeClr val="bg1">
+                    <a:lumMod val="50000"/>
+                  </a:schemeClr>
+                </a:solidFill>
+                <a:effectLst/>
+              </a:endParaRPr>
+            </a:p>
+          </p:txBody>
+        </p:sp>
+      </p:grpSp>
+      <p:sp>
+        <p:nvSpPr>
+          <p:cNvPr id="102" name="자유형: 도형 101">
+            <a:extLst>
+              <a:ext uri="{FF2B5EF4-FFF2-40B4-BE49-F238E27FC236}">
+                <a16:creationId xmlns:a16="http://schemas.microsoft.com/office/drawing/2014/main" id="{AFAEEBBF-ABAF-4362-9A17-EF9D37E9BBE0}"/>
+              </a:ext>
+            </a:extLst>
+          </p:cNvPr>
+          <p:cNvSpPr>
+            <a:spLocks/>
+          </p:cNvSpPr>
+          <p:nvPr/>
+        </p:nvSpPr>
+        <p:spPr>
+          <a:xfrm>
+            <a:off x="233052" y="185202"/>
+            <a:ext cx="1674019" cy="409575"/>
+          </a:xfrm>
+          <a:custGeom>
+            <a:avLst/>
+            <a:gdLst>
+              <a:gd name="connsiteX0" fmla="*/ 0 w 1674019"/>
+              <a:gd name="connsiteY0" fmla="*/ 409575 h 409575"/>
+              <a:gd name="connsiteX1" fmla="*/ 69056 w 1674019"/>
+              <a:gd name="connsiteY1" fmla="*/ 409575 h 409575"/>
+              <a:gd name="connsiteX2" fmla="*/ 271463 w 1674019"/>
+              <a:gd name="connsiteY2" fmla="*/ 0 h 409575"/>
+              <a:gd name="connsiteX3" fmla="*/ 1674019 w 1674019"/>
+              <a:gd name="connsiteY3" fmla="*/ 0 h 409575"/>
+              <a:gd name="connsiteX4" fmla="*/ 1469231 w 1674019"/>
+              <a:gd name="connsiteY4" fmla="*/ 409575 h 409575"/>
+              <a:gd name="connsiteX5" fmla="*/ 1543050 w 1674019"/>
+              <a:gd name="connsiteY5" fmla="*/ 409575 h 409575"/>
+            </a:gdLst>
+            <a:ahLst/>
+            <a:cxnLst>
+              <a:cxn ang="0">
+                <a:pos x="connsiteX0" y="connsiteY0"/>
+              </a:cxn>
+              <a:cxn ang="0">
+                <a:pos x="connsiteX1" y="connsiteY1"/>
+              </a:cxn>
+              <a:cxn ang="0">
+                <a:pos x="connsiteX2" y="connsiteY2"/>
+              </a:cxn>
+              <a:cxn ang="0">
+                <a:pos x="connsiteX3" y="connsiteY3"/>
+              </a:cxn>
+              <a:cxn ang="0">
+                <a:pos x="connsiteX4" y="connsiteY4"/>
+              </a:cxn>
+              <a:cxn ang="0">
+                <a:pos x="connsiteX5" y="connsiteY5"/>
+              </a:cxn>
+            </a:cxnLst>
+            <a:rect l="l" t="t" r="r" b="b"/>
+            <a:pathLst>
+              <a:path w="1674019" h="409575">
+                <a:moveTo>
+                  <a:pt x="0" y="409575"/>
+                </a:moveTo>
+                <a:lnTo>
+                  <a:pt x="69056" y="409575"/>
+                </a:lnTo>
+                <a:lnTo>
+                  <a:pt x="271463" y="0"/>
+                </a:lnTo>
+                <a:lnTo>
+                  <a:pt x="1674019" y="0"/>
+                </a:lnTo>
+                <a:lnTo>
+                  <a:pt x="1469231" y="409575"/>
+                </a:lnTo>
+                <a:lnTo>
+                  <a:pt x="1543050" y="409575"/>
+                </a:lnTo>
+              </a:path>
+            </a:pathLst>
+          </a:custGeom>
+          <a:noFill/>
+          <a:ln w="28575">
+            <a:solidFill>
+              <a:schemeClr val="accent4">
+                <a:lumMod val="75000"/>
+              </a:schemeClr>
+            </a:solidFill>
+          </a:ln>
+        </p:spPr>
+        <p:style>
+          <a:lnRef idx="2">
+            <a:schemeClr val="accent1">
+              <a:shade val="50000"/>
+            </a:schemeClr>
+          </a:lnRef>
+          <a:fillRef idx="1">
+            <a:schemeClr val="accent1"/>
+          </a:fillRef>
+          <a:effectRef idx="0">
+            <a:schemeClr val="accent1"/>
+          </a:effectRef>
+          <a:fontRef idx="minor">
+            <a:schemeClr val="lt1"/>
+          </a:fontRef>
+        </p:style>
+        <p:txBody>
+          <a:bodyPr rtlCol="0" anchor="ctr"/>
+          <a:lstStyle/>
+          <a:p>
+            <a:pPr algn="ctr"/>
+            <a:endParaRPr lang="ko-KR" altLang="en-US"/>
+          </a:p>
+        </p:txBody>
+      </p:sp>
+      <p:cxnSp>
+        <p:nvCxnSpPr>
+          <p:cNvPr id="105" name="직선 연결선 104">
+            <a:extLst>
+              <a:ext uri="{FF2B5EF4-FFF2-40B4-BE49-F238E27FC236}">
+                <a16:creationId xmlns:a16="http://schemas.microsoft.com/office/drawing/2014/main" id="{7E2F88F9-3C7B-48DF-A4C7-DA194F522C73}"/>
+              </a:ext>
+            </a:extLst>
+          </p:cNvPr>
+          <p:cNvCxnSpPr>
+            <a:cxnSpLocks/>
+            <a:stCxn id="102" idx="1"/>
+          </p:cNvCxnSpPr>
+          <p:nvPr/>
+        </p:nvCxnSpPr>
+        <p:spPr>
+          <a:xfrm flipH="1">
+            <a:off x="0" y="594777"/>
+            <a:ext cx="302108" cy="0"/>
+          </a:xfrm>
+          <a:prstGeom prst="line">
+            <a:avLst/>
+          </a:prstGeom>
+          <a:ln w="28575">
+            <a:solidFill>
+              <a:schemeClr val="accent4">
+                <a:lumMod val="75000"/>
+              </a:schemeClr>
+            </a:solidFill>
+          </a:ln>
+        </p:spPr>
+        <p:style>
+          <a:lnRef idx="2">
+            <a:schemeClr val="accent1"/>
+          </a:lnRef>
+          <a:fillRef idx="0">
+            <a:schemeClr val="accent1"/>
+          </a:fillRef>
+          <a:effectRef idx="1">
+            <a:schemeClr val="accent1"/>
+          </a:effectRef>
+          <a:fontRef idx="minor">
+            <a:schemeClr val="tx1"/>
+          </a:fontRef>
+        </p:style>
+      </p:cxnSp>
+      <p:cxnSp>
+        <p:nvCxnSpPr>
+          <p:cNvPr id="106" name="직선 연결선 105">
+            <a:extLst>
+              <a:ext uri="{FF2B5EF4-FFF2-40B4-BE49-F238E27FC236}">
+                <a16:creationId xmlns:a16="http://schemas.microsoft.com/office/drawing/2014/main" id="{3ABAC88F-1F22-4AC6-94F9-607393818B8F}"/>
+              </a:ext>
+            </a:extLst>
+          </p:cNvPr>
+          <p:cNvCxnSpPr>
+            <a:cxnSpLocks/>
+            <a:endCxn id="102" idx="4"/>
+          </p:cNvCxnSpPr>
+          <p:nvPr/>
+        </p:nvCxnSpPr>
+        <p:spPr>
+          <a:xfrm flipH="1">
+            <a:off x="1702283" y="594777"/>
+            <a:ext cx="10481310" cy="0"/>
+          </a:xfrm>
+          <a:prstGeom prst="line">
+            <a:avLst/>
+          </a:prstGeom>
+          <a:ln w="28575">
+            <a:solidFill>
+              <a:schemeClr val="accent4">
+                <a:lumMod val="75000"/>
+              </a:schemeClr>
+            </a:solidFill>
+          </a:ln>
+        </p:spPr>
+        <p:style>
+          <a:lnRef idx="2">
+            <a:schemeClr val="accent1"/>
+          </a:lnRef>
+          <a:fillRef idx="0">
+            <a:schemeClr val="accent1"/>
+          </a:fillRef>
+          <a:effectRef idx="1">
+            <a:schemeClr val="accent1"/>
+          </a:effectRef>
+          <a:fontRef idx="minor">
+            <a:schemeClr val="tx1"/>
+          </a:fontRef>
+        </p:style>
+      </p:cxnSp>
+      <p:grpSp>
+        <p:nvGrpSpPr>
+          <p:cNvPr id="6" name="그룹 5">
+            <a:extLst>
+              <a:ext uri="{FF2B5EF4-FFF2-40B4-BE49-F238E27FC236}">
+                <a16:creationId xmlns:a16="http://schemas.microsoft.com/office/drawing/2014/main" id="{FB2DC671-EBE6-161D-9D80-4A8AB5D7C3A6}"/>
+              </a:ext>
+            </a:extLst>
+          </p:cNvPr>
+          <p:cNvGrpSpPr/>
+          <p:nvPr/>
+        </p:nvGrpSpPr>
+        <p:grpSpPr>
+          <a:xfrm>
+            <a:off x="10502114" y="78962"/>
+            <a:ext cx="1689886" cy="505199"/>
+            <a:chOff x="10502114" y="78962"/>
+            <a:chExt cx="1689886" cy="505199"/>
+          </a:xfrm>
+        </p:grpSpPr>
+        <p:sp>
+          <p:nvSpPr>
+            <p:cNvPr id="2" name="TextBox 1">
+              <a:extLst>
+                <a:ext uri="{FF2B5EF4-FFF2-40B4-BE49-F238E27FC236}">
+                  <a16:creationId xmlns:a16="http://schemas.microsoft.com/office/drawing/2014/main" id="{01E4C8AF-3C7D-95E4-288F-0BE7BD60B384}"/>
+                </a:ext>
+              </a:extLst>
+            </p:cNvPr>
+            <p:cNvSpPr txBox="1">
+              <a:spLocks/>
+            </p:cNvSpPr>
+            <p:nvPr/>
+          </p:nvSpPr>
+          <p:spPr>
+            <a:xfrm>
+              <a:off x="10502114" y="353329"/>
+              <a:ext cx="1689886" cy="230832"/>
+            </a:xfrm>
+            <a:prstGeom prst="rect">
+              <a:avLst/>
+            </a:prstGeom>
+            <a:noFill/>
+          </p:spPr>
+          <p:txBody>
+            <a:bodyPr wrap="none" rtlCol="0">
+              <a:spAutoFit/>
+            </a:bodyPr>
+            <a:lstStyle/>
+            <a:p>
+              <a:pPr algn="r"/>
+              <a:r>
+                <a:rPr lang="ko-KR" altLang="en-US" sz="900" b="1" dirty="0" err="1">
+                  <a:solidFill>
+                    <a:schemeClr val="bg1">
+                      <a:lumMod val="50000"/>
+                    </a:schemeClr>
+                  </a:solidFill>
+                  <a:effectLst/>
+                </a:rPr>
+                <a:t>리트루기아</a:t>
+              </a:r>
+              <a:r>
+                <a:rPr lang="ko-KR" altLang="en-US" sz="900" b="1" dirty="0">
+                  <a:solidFill>
+                    <a:schemeClr val="bg1">
+                      <a:lumMod val="50000"/>
+                    </a:schemeClr>
+                  </a:solidFill>
+                  <a:effectLst/>
+                </a:rPr>
+                <a:t> 부채 스킬 기획서</a:t>
+              </a:r>
+              <a:endParaRPr lang="en-US" altLang="ko-KR" sz="900" b="1" dirty="0">
+                <a:solidFill>
+                  <a:schemeClr val="bg1">
+                    <a:lumMod val="50000"/>
+                  </a:schemeClr>
+                </a:solidFill>
+                <a:effectLst/>
+              </a:endParaRPr>
+            </a:p>
+          </p:txBody>
+        </p:sp>
+        <p:grpSp>
+          <p:nvGrpSpPr>
+            <p:cNvPr id="3" name="그룹 2">
+              <a:extLst>
+                <a:ext uri="{FF2B5EF4-FFF2-40B4-BE49-F238E27FC236}">
+                  <a16:creationId xmlns:a16="http://schemas.microsoft.com/office/drawing/2014/main" id="{6554ECE8-DBAA-0C88-9E14-73F4746D825D}"/>
+                </a:ext>
+              </a:extLst>
+            </p:cNvPr>
+            <p:cNvGrpSpPr>
+              <a:grpSpLocks/>
+            </p:cNvGrpSpPr>
+            <p:nvPr/>
+          </p:nvGrpSpPr>
+          <p:grpSpPr>
+            <a:xfrm>
+              <a:off x="11805028" y="78962"/>
+              <a:ext cx="307840" cy="263869"/>
+              <a:chOff x="1302299" y="2529509"/>
+              <a:chExt cx="800080" cy="685799"/>
+            </a:xfrm>
+            <a:solidFill>
+              <a:schemeClr val="accent4">
+                <a:lumMod val="50000"/>
+              </a:schemeClr>
+            </a:solidFill>
+          </p:grpSpPr>
+          <p:sp>
+            <p:nvSpPr>
+              <p:cNvPr id="4" name="자유형: 도형 3">
+                <a:extLst>
+                  <a:ext uri="{FF2B5EF4-FFF2-40B4-BE49-F238E27FC236}">
+                    <a16:creationId xmlns:a16="http://schemas.microsoft.com/office/drawing/2014/main" id="{977C45A4-3617-F15D-3203-2562F51B65B2}"/>
+                  </a:ext>
+                </a:extLst>
+              </p:cNvPr>
+              <p:cNvSpPr>
+                <a:spLocks/>
+              </p:cNvSpPr>
+              <p:nvPr/>
+            </p:nvSpPr>
+            <p:spPr>
+              <a:xfrm>
+                <a:off x="1302299" y="2529509"/>
+                <a:ext cx="800080" cy="417509"/>
+              </a:xfrm>
+              <a:custGeom>
+                <a:avLst/>
+                <a:gdLst>
+                  <a:gd name="connsiteX0" fmla="*/ 400031 w 800080"/>
+                  <a:gd name="connsiteY0" fmla="*/ 78581 h 417509"/>
+                  <a:gd name="connsiteX1" fmla="*/ 400050 w 800080"/>
+                  <a:gd name="connsiteY1" fmla="*/ 78581 h 417509"/>
+                  <a:gd name="connsiteX2" fmla="*/ 756837 w 800080"/>
+                  <a:gd name="connsiteY2" fmla="*/ 417509 h 417509"/>
+                  <a:gd name="connsiteX3" fmla="*/ 800081 w 800080"/>
+                  <a:gd name="connsiteY3" fmla="*/ 380552 h 417509"/>
+                  <a:gd name="connsiteX4" fmla="*/ 400050 w 800080"/>
+                  <a:gd name="connsiteY4" fmla="*/ 0 h 417509"/>
+                  <a:gd name="connsiteX5" fmla="*/ 400031 w 800080"/>
+                  <a:gd name="connsiteY5" fmla="*/ 0 h 417509"/>
+                  <a:gd name="connsiteX6" fmla="*/ 0 w 800080"/>
+                  <a:gd name="connsiteY6" fmla="*/ 380552 h 417509"/>
+                  <a:gd name="connsiteX7" fmla="*/ 43244 w 800080"/>
+                  <a:gd name="connsiteY7" fmla="*/ 417509 h 417509"/>
+                  <a:gd name="connsiteX8" fmla="*/ 400031 w 800080"/>
+                  <a:gd name="connsiteY8" fmla="*/ 78581 h 417509"/>
+                </a:gdLst>
+                <a:ahLst/>
+                <a:cxnLst>
+                  <a:cxn ang="0">
+                    <a:pos x="connsiteX0" y="connsiteY0"/>
+                  </a:cxn>
+                  <a:cxn ang="0">
+                    <a:pos x="connsiteX1" y="connsiteY1"/>
+                  </a:cxn>
+                  <a:cxn ang="0">
+                    <a:pos x="connsiteX2" y="connsiteY2"/>
+                  </a:cxn>
+                  <a:cxn ang="0">
+                    <a:pos x="connsiteX3" y="connsiteY3"/>
+                  </a:cxn>
+                  <a:cxn ang="0">
+                    <a:pos x="connsiteX4" y="connsiteY4"/>
+                  </a:cxn>
+                  <a:cxn ang="0">
+                    <a:pos x="connsiteX5" y="connsiteY5"/>
+                  </a:cxn>
+                  <a:cxn ang="0">
+                    <a:pos x="connsiteX6" y="connsiteY6"/>
+                  </a:cxn>
+                  <a:cxn ang="0">
+                    <a:pos x="connsiteX7" y="connsiteY7"/>
+                  </a:cxn>
+                  <a:cxn ang="0">
+                    <a:pos x="connsiteX8" y="connsiteY8"/>
+                  </a:cxn>
+                </a:cxnLst>
+                <a:rect l="l" t="t" r="r" b="b"/>
+                <a:pathLst>
+                  <a:path w="800080" h="417509">
+                    <a:moveTo>
+                      <a:pt x="400031" y="78581"/>
+                    </a:moveTo>
+                    <a:lnTo>
+                      <a:pt x="400050" y="78581"/>
+                    </a:lnTo>
+                    <a:lnTo>
+                      <a:pt x="756837" y="417509"/>
+                    </a:lnTo>
+                    <a:lnTo>
+                      <a:pt x="800081" y="380552"/>
+                    </a:lnTo>
+                    <a:lnTo>
+                      <a:pt x="400050" y="0"/>
+                    </a:lnTo>
+                    <a:lnTo>
+                      <a:pt x="400031" y="0"/>
+                    </a:lnTo>
+                    <a:lnTo>
+                      <a:pt x="0" y="380552"/>
+                    </a:lnTo>
+                    <a:lnTo>
+                      <a:pt x="43244" y="417509"/>
+                    </a:lnTo>
+                    <a:lnTo>
+                      <a:pt x="400031" y="78581"/>
+                    </a:lnTo>
+                    <a:close/>
+                  </a:path>
+                </a:pathLst>
+              </a:custGeom>
+              <a:grpFill/>
+              <a:ln w="9525" cap="flat">
+                <a:noFill/>
+                <a:prstDash val="solid"/>
+                <a:miter/>
+              </a:ln>
+            </p:spPr>
+            <p:txBody>
+              <a:bodyPr rtlCol="0" anchor="ctr"/>
+              <a:lstStyle/>
+              <a:p>
+                <a:endParaRPr lang="ko-KR" altLang="en-US"/>
+              </a:p>
+            </p:txBody>
+          </p:sp>
+          <p:sp>
+            <p:nvSpPr>
+              <p:cNvPr id="5" name="자유형: 도형 4">
+                <a:extLst>
+                  <a:ext uri="{FF2B5EF4-FFF2-40B4-BE49-F238E27FC236}">
+                    <a16:creationId xmlns:a16="http://schemas.microsoft.com/office/drawing/2014/main" id="{12ED3F9A-D0A4-00B4-0EB5-66A71FB495A6}"/>
+                  </a:ext>
+                </a:extLst>
+              </p:cNvPr>
+              <p:cNvSpPr>
+                <a:spLocks/>
+              </p:cNvSpPr>
+              <p:nvPr/>
+            </p:nvSpPr>
+            <p:spPr>
+              <a:xfrm>
+                <a:off x="1416580" y="2660630"/>
+                <a:ext cx="571499" cy="554678"/>
+              </a:xfrm>
+              <a:custGeom>
+                <a:avLst/>
+                <a:gdLst>
+                  <a:gd name="connsiteX0" fmla="*/ 0 w 571499"/>
+                  <a:gd name="connsiteY0" fmla="*/ 271453 h 554678"/>
+                  <a:gd name="connsiteX1" fmla="*/ 0 w 571499"/>
+                  <a:gd name="connsiteY1" fmla="*/ 554679 h 554678"/>
+                  <a:gd name="connsiteX2" fmla="*/ 228600 w 571499"/>
+                  <a:gd name="connsiteY2" fmla="*/ 554679 h 554678"/>
+                  <a:gd name="connsiteX3" fmla="*/ 228600 w 571499"/>
+                  <a:gd name="connsiteY3" fmla="*/ 316554 h 554678"/>
+                  <a:gd name="connsiteX4" fmla="*/ 342900 w 571499"/>
+                  <a:gd name="connsiteY4" fmla="*/ 316554 h 554678"/>
+                  <a:gd name="connsiteX5" fmla="*/ 342900 w 571499"/>
+                  <a:gd name="connsiteY5" fmla="*/ 554679 h 554678"/>
+                  <a:gd name="connsiteX6" fmla="*/ 571500 w 571499"/>
+                  <a:gd name="connsiteY6" fmla="*/ 554679 h 554678"/>
+                  <a:gd name="connsiteX7" fmla="*/ 571500 w 571499"/>
+                  <a:gd name="connsiteY7" fmla="*/ 271443 h 554678"/>
+                  <a:gd name="connsiteX8" fmla="*/ 285760 w 571499"/>
+                  <a:gd name="connsiteY8" fmla="*/ 0 h 554678"/>
+                  <a:gd name="connsiteX9" fmla="*/ 0 w 571499"/>
+                  <a:gd name="connsiteY9" fmla="*/ 271453 h 554678"/>
+                </a:gdLst>
+                <a:ahLst/>
+                <a:cxnLst>
+                  <a:cxn ang="0">
+                    <a:pos x="connsiteX0" y="connsiteY0"/>
+                  </a:cxn>
+                  <a:cxn ang="0">
+                    <a:pos x="connsiteX1" y="connsiteY1"/>
+                  </a:cxn>
+                  <a:cxn ang="0">
+                    <a:pos x="connsiteX2" y="connsiteY2"/>
+                  </a:cxn>
+                  <a:cxn ang="0">
+                    <a:pos x="connsiteX3" y="connsiteY3"/>
+                  </a:cxn>
+                  <a:cxn ang="0">
+                    <a:pos x="connsiteX4" y="connsiteY4"/>
+                  </a:cxn>
+                  <a:cxn ang="0">
+                    <a:pos x="connsiteX5" y="connsiteY5"/>
+                  </a:cxn>
+                  <a:cxn ang="0">
+                    <a:pos x="connsiteX6" y="connsiteY6"/>
+                  </a:cxn>
+                  <a:cxn ang="0">
+                    <a:pos x="connsiteX7" y="connsiteY7"/>
+                  </a:cxn>
+                  <a:cxn ang="0">
+                    <a:pos x="connsiteX8" y="connsiteY8"/>
+                  </a:cxn>
+                  <a:cxn ang="0">
+                    <a:pos x="connsiteX9" y="connsiteY9"/>
+                  </a:cxn>
+                </a:cxnLst>
+                <a:rect l="l" t="t" r="r" b="b"/>
+                <a:pathLst>
+                  <a:path w="571499" h="554678">
+                    <a:moveTo>
+                      <a:pt x="0" y="271453"/>
+                    </a:moveTo>
+                    <a:lnTo>
+                      <a:pt x="0" y="554679"/>
+                    </a:lnTo>
+                    <a:lnTo>
+                      <a:pt x="228600" y="554679"/>
+                    </a:lnTo>
+                    <a:lnTo>
+                      <a:pt x="228600" y="316554"/>
+                    </a:lnTo>
+                    <a:lnTo>
+                      <a:pt x="342900" y="316554"/>
+                    </a:lnTo>
+                    <a:lnTo>
+                      <a:pt x="342900" y="554679"/>
+                    </a:lnTo>
+                    <a:lnTo>
+                      <a:pt x="571500" y="554679"/>
+                    </a:lnTo>
+                    <a:lnTo>
+                      <a:pt x="571500" y="271443"/>
+                    </a:lnTo>
+                    <a:lnTo>
+                      <a:pt x="285760" y="0"/>
+                    </a:lnTo>
+                    <a:lnTo>
+                      <a:pt x="0" y="271453"/>
+                    </a:lnTo>
+                    <a:close/>
+                  </a:path>
+                </a:pathLst>
+              </a:custGeom>
+              <a:grpFill/>
+              <a:ln w="9525" cap="flat">
+                <a:noFill/>
+                <a:prstDash val="solid"/>
+                <a:miter/>
+              </a:ln>
+            </p:spPr>
+            <p:txBody>
+              <a:bodyPr rtlCol="0" anchor="ctr"/>
+              <a:lstStyle/>
+              <a:p>
+                <a:endParaRPr lang="ko-KR" altLang="en-US"/>
+              </a:p>
+            </p:txBody>
+          </p:sp>
+        </p:grpSp>
+      </p:grpSp>
+      <p:sp>
+        <p:nvSpPr>
+          <p:cNvPr id="7" name="직사각형 6">
+            <a:hlinkClick r:id="rId2" action="ppaction://hlinksldjump"/>
+            <a:extLst>
+              <a:ext uri="{FF2B5EF4-FFF2-40B4-BE49-F238E27FC236}">
+                <a16:creationId xmlns:a16="http://schemas.microsoft.com/office/drawing/2014/main" id="{E117750A-46BB-1F41-D7CE-EFF04B39B91C}"/>
+              </a:ext>
+            </a:extLst>
+          </p:cNvPr>
+          <p:cNvSpPr/>
+          <p:nvPr/>
+        </p:nvSpPr>
+        <p:spPr>
+          <a:xfrm>
+            <a:off x="10614103" y="66088"/>
+            <a:ext cx="1495199" cy="462402"/>
+          </a:xfrm>
+          <a:prstGeom prst="rect">
+            <a:avLst/>
+          </a:prstGeom>
+          <a:noFill/>
+          <a:ln>
+            <a:noFill/>
+          </a:ln>
+        </p:spPr>
+        <p:style>
+          <a:lnRef idx="2">
+            <a:schemeClr val="accent1">
+              <a:shade val="15000"/>
+            </a:schemeClr>
+          </a:lnRef>
+          <a:fillRef idx="1">
+            <a:schemeClr val="accent1"/>
+          </a:fillRef>
+          <a:effectRef idx="0">
+            <a:schemeClr val="accent1"/>
+          </a:effectRef>
+          <a:fontRef idx="minor">
+            <a:schemeClr val="lt1"/>
+          </a:fontRef>
+        </p:style>
+        <p:txBody>
+          <a:bodyPr rtlCol="0" anchor="ctr"/>
+          <a:lstStyle/>
+          <a:p>
+            <a:pPr algn="ctr"/>
+            <a:endParaRPr lang="ko-KR" altLang="en-US"/>
+          </a:p>
+        </p:txBody>
+      </p:sp>
+      <p:sp>
+        <p:nvSpPr>
+          <p:cNvPr id="28" name="TextBox 27">
+            <a:extLst>
+              <a:ext uri="{FF2B5EF4-FFF2-40B4-BE49-F238E27FC236}">
+                <a16:creationId xmlns:a16="http://schemas.microsoft.com/office/drawing/2014/main" id="{116E8E44-0529-A824-B435-FBF1B4D9B11C}"/>
+              </a:ext>
+            </a:extLst>
+          </p:cNvPr>
+          <p:cNvSpPr txBox="1">
+            <a:spLocks/>
+          </p:cNvSpPr>
+          <p:nvPr/>
+        </p:nvSpPr>
+        <p:spPr>
+          <a:xfrm>
+            <a:off x="836937" y="251815"/>
+            <a:ext cx="543739" cy="307777"/>
+          </a:xfrm>
+          <a:prstGeom prst="rect">
+            <a:avLst/>
+          </a:prstGeom>
+          <a:noFill/>
+        </p:spPr>
+        <p:txBody>
+          <a:bodyPr wrap="none" rtlCol="0">
+            <a:spAutoFit/>
+          </a:bodyPr>
+          <a:lstStyle/>
+          <a:p>
+            <a:pPr algn="ctr"/>
+            <a:r>
+              <a:rPr lang="ko-KR" altLang="en-US" sz="1400" b="1" dirty="0">
+                <a:effectLst/>
+              </a:rPr>
+              <a:t>개요</a:t>
+            </a:r>
+            <a:endParaRPr lang="en-US" altLang="ko-KR" sz="1400" b="1" dirty="0">
+              <a:effectLst/>
+            </a:endParaRPr>
+          </a:p>
+        </p:txBody>
+      </p:sp>
+      <p:grpSp>
+        <p:nvGrpSpPr>
+          <p:cNvPr id="17" name="그룹 16">
+            <a:extLst>
+              <a:ext uri="{FF2B5EF4-FFF2-40B4-BE49-F238E27FC236}">
+                <a16:creationId xmlns:a16="http://schemas.microsoft.com/office/drawing/2014/main" id="{B8DCEB1F-3189-FF51-4A8B-36E9505F3DCB}"/>
+              </a:ext>
+            </a:extLst>
+          </p:cNvPr>
+          <p:cNvGrpSpPr/>
+          <p:nvPr/>
+        </p:nvGrpSpPr>
+        <p:grpSpPr>
+          <a:xfrm>
+            <a:off x="302108" y="3426233"/>
+            <a:ext cx="6286680" cy="829768"/>
+            <a:chOff x="302108" y="2121313"/>
+            <a:chExt cx="6286680" cy="829768"/>
+          </a:xfrm>
+        </p:grpSpPr>
+        <p:sp>
+          <p:nvSpPr>
+            <p:cNvPr id="14" name="TextBox 13">
+              <a:extLst>
+                <a:ext uri="{FF2B5EF4-FFF2-40B4-BE49-F238E27FC236}">
+                  <a16:creationId xmlns:a16="http://schemas.microsoft.com/office/drawing/2014/main" id="{B65E7D55-106D-25AC-5DED-6F97D6078AD5}"/>
+                </a:ext>
+              </a:extLst>
+            </p:cNvPr>
+            <p:cNvSpPr txBox="1"/>
+            <p:nvPr/>
+          </p:nvSpPr>
+          <p:spPr>
+            <a:xfrm>
+              <a:off x="302108" y="2121313"/>
+              <a:ext cx="2257349" cy="261610"/>
+            </a:xfrm>
+            <a:prstGeom prst="rect">
+              <a:avLst/>
+            </a:prstGeom>
+            <a:noFill/>
+          </p:spPr>
+          <p:txBody>
+            <a:bodyPr wrap="none" rtlCol="0">
+              <a:spAutoFit/>
+            </a:bodyPr>
+            <a:lstStyle/>
+            <a:p>
+              <a:r>
+                <a:rPr lang="en-US" altLang="ko-KR" sz="1100" b="1" dirty="0">
+                  <a:solidFill>
+                    <a:srgbClr val="0A6D94"/>
+                  </a:solidFill>
+                  <a:latin typeface="+mn-ea"/>
+                </a:rPr>
+                <a:t>(2)</a:t>
+              </a:r>
+              <a:r>
+                <a:rPr lang="ko-KR" altLang="en-US" sz="1100" b="1" dirty="0">
+                  <a:solidFill>
+                    <a:srgbClr val="0A6D94"/>
+                  </a:solidFill>
+                  <a:latin typeface="+mn-ea"/>
+                </a:rPr>
+                <a:t> 한국의 전통을 보여주는 무기</a:t>
+              </a:r>
+              <a:endParaRPr lang="en-US" altLang="ko-KR" sz="1100" b="1" dirty="0">
+                <a:solidFill>
+                  <a:srgbClr val="0A6D94"/>
+                </a:solidFill>
+                <a:latin typeface="+mn-ea"/>
+              </a:endParaRPr>
+            </a:p>
+          </p:txBody>
+        </p:sp>
+        <p:sp>
+          <p:nvSpPr>
+            <p:cNvPr id="29" name="TextBox 28">
+              <a:extLst>
+                <a:ext uri="{FF2B5EF4-FFF2-40B4-BE49-F238E27FC236}">
+                  <a16:creationId xmlns:a16="http://schemas.microsoft.com/office/drawing/2014/main" id="{DFD588CC-A40E-406A-2F83-2D2B45DA01F9}"/>
+                </a:ext>
+              </a:extLst>
+            </p:cNvPr>
+            <p:cNvSpPr txBox="1"/>
+            <p:nvPr/>
+          </p:nvSpPr>
+          <p:spPr>
+            <a:xfrm>
+              <a:off x="533925" y="2426835"/>
+              <a:ext cx="6054863" cy="524246"/>
+            </a:xfrm>
+            <a:prstGeom prst="rect">
+              <a:avLst/>
+            </a:prstGeom>
+            <a:noFill/>
+          </p:spPr>
+          <p:txBody>
+            <a:bodyPr wrap="none" rtlCol="0">
+              <a:spAutoFit/>
+            </a:bodyPr>
+            <a:lstStyle/>
+            <a:p>
+              <a:pPr marL="171450" indent="-171450">
+                <a:lnSpc>
+                  <a:spcPct val="150000"/>
+                </a:lnSpc>
+                <a:buFontTx/>
+                <a:buChar char="-"/>
+              </a:pPr>
+              <a:r>
+                <a:rPr lang="ko-KR" altLang="en-US" sz="1000" dirty="0">
+                  <a:latin typeface="+mn-ea"/>
+                </a:rPr>
+                <a:t>선비가 부채를 들고 추는 전통 춤인 </a:t>
+              </a:r>
+              <a:r>
+                <a:rPr lang="en-US" altLang="ko-KR" sz="1000" dirty="0">
+                  <a:latin typeface="+mn-ea"/>
+                </a:rPr>
+                <a:t>‘</a:t>
+              </a:r>
+              <a:r>
+                <a:rPr lang="ko-KR" altLang="en-US" sz="1000" dirty="0" err="1">
+                  <a:latin typeface="+mn-ea"/>
+                </a:rPr>
+                <a:t>한량무</a:t>
+              </a:r>
+              <a:r>
+                <a:rPr lang="en-US" altLang="ko-KR" sz="1000" dirty="0">
+                  <a:latin typeface="+mn-ea"/>
+                </a:rPr>
+                <a:t>’</a:t>
+              </a:r>
+              <a:r>
+                <a:rPr lang="ko-KR" altLang="en-US" sz="1000" dirty="0">
+                  <a:latin typeface="+mn-ea"/>
+                </a:rPr>
+                <a:t>에서 영감을 받아 만든 무기입니다</a:t>
+              </a:r>
+              <a:r>
+                <a:rPr lang="en-US" altLang="ko-KR" sz="1000" dirty="0">
+                  <a:latin typeface="+mn-ea"/>
+                </a:rPr>
+                <a:t>.</a:t>
+              </a:r>
+            </a:p>
+            <a:p>
+              <a:pPr marL="171450" indent="-171450">
+                <a:lnSpc>
+                  <a:spcPct val="150000"/>
+                </a:lnSpc>
+                <a:buFontTx/>
+                <a:buChar char="-"/>
+              </a:pPr>
+              <a:r>
+                <a:rPr lang="ko-KR" altLang="en-US" sz="1000" dirty="0">
+                  <a:latin typeface="+mn-ea"/>
+                </a:rPr>
+                <a:t>여유롭고 절제된 동작에 역동성이 일부 가미된 모션들은 선비가 춤을 추는 듯한 느낌을 선사합니다</a:t>
+              </a:r>
+              <a:r>
+                <a:rPr lang="en-US" altLang="ko-KR" sz="1000" dirty="0">
+                  <a:latin typeface="+mn-ea"/>
+                </a:rPr>
+                <a:t>.</a:t>
+              </a:r>
+            </a:p>
+          </p:txBody>
+        </p:sp>
+      </p:grpSp>
+      <p:grpSp>
+        <p:nvGrpSpPr>
+          <p:cNvPr id="8" name="그룹 7">
+            <a:extLst>
+              <a:ext uri="{FF2B5EF4-FFF2-40B4-BE49-F238E27FC236}">
+                <a16:creationId xmlns:a16="http://schemas.microsoft.com/office/drawing/2014/main" id="{29B33C95-6C22-3B15-487C-2515D68D699E}"/>
+              </a:ext>
+            </a:extLst>
+          </p:cNvPr>
+          <p:cNvGrpSpPr/>
+          <p:nvPr/>
+        </p:nvGrpSpPr>
+        <p:grpSpPr>
+          <a:xfrm>
+            <a:off x="7988262" y="1855979"/>
+            <a:ext cx="3223077" cy="3603114"/>
+            <a:chOff x="7988262" y="1669516"/>
+            <a:chExt cx="3223077" cy="3603114"/>
+          </a:xfrm>
+        </p:grpSpPr>
+        <p:pic>
+          <p:nvPicPr>
+            <p:cNvPr id="3074" name="Picture 2">
+              <a:extLst>
+                <a:ext uri="{FF2B5EF4-FFF2-40B4-BE49-F238E27FC236}">
+                  <a16:creationId xmlns:a16="http://schemas.microsoft.com/office/drawing/2014/main" id="{D570AFDC-DC5E-D19F-6AF2-37DF291863C2}"/>
+                </a:ext>
+              </a:extLst>
+            </p:cNvPr>
+            <p:cNvPicPr>
+              <a:picLocks noChangeAspect="1" noChangeArrowheads="1"/>
+            </p:cNvPicPr>
+            <p:nvPr/>
+          </p:nvPicPr>
+          <p:blipFill rotWithShape="1">
+            <a:blip r:embed="rId3">
+              <a:extLst>
+                <a:ext uri="{28A0092B-C50C-407E-A947-70E740481C1C}">
+                  <a14:useLocalDpi xmlns:a14="http://schemas.microsoft.com/office/drawing/2010/main" val="0"/>
+                </a:ext>
+              </a:extLst>
+            </a:blip>
+            <a:srcRect t="19549"/>
+            <a:stretch/>
+          </p:blipFill>
+          <p:spPr bwMode="auto">
+            <a:xfrm>
+              <a:off x="7988262" y="1669516"/>
+              <a:ext cx="3223077" cy="3299425"/>
+            </a:xfrm>
+            <a:prstGeom prst="rect">
+              <a:avLst/>
+            </a:prstGeom>
+            <a:noFill/>
+            <a:extLst>
+              <a:ext uri="{909E8E84-426E-40DD-AFC4-6F175D3DCCD1}">
+                <a14:hiddenFill xmlns:a14="http://schemas.microsoft.com/office/drawing/2010/main">
+                  <a:solidFill>
+                    <a:srgbClr val="FFFFFF"/>
+                  </a:solidFill>
+                </a14:hiddenFill>
+              </a:ext>
+            </a:extLst>
+          </p:spPr>
+        </p:pic>
+        <p:grpSp>
+          <p:nvGrpSpPr>
+            <p:cNvPr id="19" name="그룹 18">
+              <a:extLst>
+                <a:ext uri="{FF2B5EF4-FFF2-40B4-BE49-F238E27FC236}">
+                  <a16:creationId xmlns:a16="http://schemas.microsoft.com/office/drawing/2014/main" id="{87E05DE1-D870-A05E-8D18-9655BAB8D296}"/>
+                </a:ext>
+              </a:extLst>
+            </p:cNvPr>
+            <p:cNvGrpSpPr/>
+            <p:nvPr/>
+          </p:nvGrpSpPr>
+          <p:grpSpPr>
+            <a:xfrm>
+              <a:off x="8900824" y="5057186"/>
+              <a:ext cx="1246431" cy="215444"/>
+              <a:chOff x="8851128" y="3127986"/>
+              <a:chExt cx="1246431" cy="215444"/>
+            </a:xfrm>
+          </p:grpSpPr>
+          <p:sp>
+            <p:nvSpPr>
+              <p:cNvPr id="34" name="이등변 삼각형 33">
+                <a:extLst>
+                  <a:ext uri="{FF2B5EF4-FFF2-40B4-BE49-F238E27FC236}">
+                    <a16:creationId xmlns:a16="http://schemas.microsoft.com/office/drawing/2014/main" id="{1A3018B7-EC58-2FD6-B2A4-D9966D330AC4}"/>
+                  </a:ext>
+                </a:extLst>
+              </p:cNvPr>
+              <p:cNvSpPr/>
+              <p:nvPr/>
+            </p:nvSpPr>
+            <p:spPr>
+              <a:xfrm>
+                <a:off x="8851128" y="3190057"/>
+                <a:ext cx="105910" cy="91302"/>
+              </a:xfrm>
+              <a:prstGeom prst="triangle">
+                <a:avLst/>
+              </a:prstGeom>
+              <a:solidFill>
+                <a:srgbClr val="F2F2F2"/>
+              </a:solidFill>
+              <a:ln>
+                <a:solidFill>
+                  <a:srgbClr val="0A6D94"/>
+                </a:solidFill>
+              </a:ln>
+            </p:spPr>
+            <p:style>
+              <a:lnRef idx="2">
+                <a:schemeClr val="accent1">
+                  <a:shade val="15000"/>
+                </a:schemeClr>
+              </a:lnRef>
+              <a:fillRef idx="1">
+                <a:schemeClr val="accent1"/>
+              </a:fillRef>
+              <a:effectRef idx="0">
+                <a:schemeClr val="accent1"/>
+              </a:effectRef>
+              <a:fontRef idx="minor">
+                <a:schemeClr val="lt1"/>
+              </a:fontRef>
+            </p:style>
+            <p:txBody>
+              <a:bodyPr rtlCol="0" anchor="ctr"/>
+              <a:lstStyle/>
+              <a:p>
+                <a:pPr algn="ctr"/>
+                <a:endParaRPr lang="ko-KR" altLang="en-US"/>
+              </a:p>
+            </p:txBody>
+          </p:sp>
+          <p:sp>
+            <p:nvSpPr>
+              <p:cNvPr id="36" name="TextBox 35">
+                <a:extLst>
+                  <a:ext uri="{FF2B5EF4-FFF2-40B4-BE49-F238E27FC236}">
+                    <a16:creationId xmlns:a16="http://schemas.microsoft.com/office/drawing/2014/main" id="{31CC1DA8-FE06-CF15-32F0-CB5FCADBE60A}"/>
+                  </a:ext>
+                </a:extLst>
+              </p:cNvPr>
+              <p:cNvSpPr txBox="1"/>
+              <p:nvPr/>
+            </p:nvSpPr>
+            <p:spPr>
+              <a:xfrm>
+                <a:off x="8960709" y="3127986"/>
+                <a:ext cx="1136850" cy="215444"/>
+              </a:xfrm>
+              <a:prstGeom prst="rect">
+                <a:avLst/>
+              </a:prstGeom>
+              <a:noFill/>
+            </p:spPr>
+            <p:txBody>
+              <a:bodyPr wrap="none" rtlCol="0">
+                <a:spAutoFit/>
+              </a:bodyPr>
+              <a:lstStyle/>
+              <a:p>
+                <a:r>
+                  <a:rPr lang="en-US" altLang="ko-KR" sz="800" b="1" dirty="0">
+                    <a:latin typeface="+mn-ea"/>
+                  </a:rPr>
+                  <a:t>‘</a:t>
+                </a:r>
+                <a:r>
+                  <a:rPr lang="ko-KR" altLang="en-US" sz="800" b="1" dirty="0" err="1">
+                    <a:latin typeface="+mn-ea"/>
+                  </a:rPr>
+                  <a:t>한량무</a:t>
+                </a:r>
+                <a:r>
+                  <a:rPr lang="en-US" altLang="ko-KR" sz="800" b="1" dirty="0">
+                    <a:latin typeface="+mn-ea"/>
+                  </a:rPr>
+                  <a:t>’ </a:t>
+                </a:r>
+                <a:r>
+                  <a:rPr lang="ko-KR" altLang="en-US" sz="800" b="1" dirty="0">
+                    <a:latin typeface="+mn-ea"/>
+                  </a:rPr>
+                  <a:t>예시 이미지</a:t>
+                </a:r>
+                <a:endParaRPr lang="en-US" altLang="ko-KR" sz="800" b="1" dirty="0">
+                  <a:latin typeface="+mn-ea"/>
+                </a:endParaRPr>
+              </a:p>
+            </p:txBody>
+          </p:sp>
+        </p:grpSp>
+      </p:grpSp>
+      <p:grpSp>
+        <p:nvGrpSpPr>
+          <p:cNvPr id="18" name="그룹 17">
+            <a:extLst>
+              <a:ext uri="{FF2B5EF4-FFF2-40B4-BE49-F238E27FC236}">
+                <a16:creationId xmlns:a16="http://schemas.microsoft.com/office/drawing/2014/main" id="{E2A51771-1897-BC95-5867-9A0AE544D124}"/>
+              </a:ext>
+            </a:extLst>
+          </p:cNvPr>
+          <p:cNvGrpSpPr/>
+          <p:nvPr/>
+        </p:nvGrpSpPr>
+        <p:grpSpPr>
+          <a:xfrm>
+            <a:off x="302108" y="5010884"/>
+            <a:ext cx="6509498" cy="830281"/>
+            <a:chOff x="302108" y="3040547"/>
+            <a:chExt cx="6509498" cy="830281"/>
+          </a:xfrm>
+        </p:grpSpPr>
+        <p:sp>
+          <p:nvSpPr>
+            <p:cNvPr id="10" name="TextBox 9">
+              <a:extLst>
+                <a:ext uri="{FF2B5EF4-FFF2-40B4-BE49-F238E27FC236}">
+                  <a16:creationId xmlns:a16="http://schemas.microsoft.com/office/drawing/2014/main" id="{53AF054B-A5CE-D9BA-5F12-6A3837F895A4}"/>
+                </a:ext>
+              </a:extLst>
+            </p:cNvPr>
+            <p:cNvSpPr txBox="1"/>
+            <p:nvPr/>
+          </p:nvSpPr>
+          <p:spPr>
+            <a:xfrm>
+              <a:off x="302108" y="3040547"/>
+              <a:ext cx="2920992" cy="261610"/>
+            </a:xfrm>
+            <a:prstGeom prst="rect">
+              <a:avLst/>
+            </a:prstGeom>
+            <a:noFill/>
+          </p:spPr>
+          <p:txBody>
+            <a:bodyPr wrap="none" rtlCol="0">
+              <a:spAutoFit/>
+            </a:bodyPr>
+            <a:lstStyle/>
+            <a:p>
+              <a:r>
+                <a:rPr lang="en-US" altLang="ko-KR" sz="1100" b="1" dirty="0">
+                  <a:solidFill>
+                    <a:srgbClr val="0A6D94"/>
+                  </a:solidFill>
+                  <a:latin typeface="+mn-ea"/>
+                </a:rPr>
+                <a:t>(3)</a:t>
+              </a:r>
+              <a:r>
+                <a:rPr lang="ko-KR" altLang="en-US" sz="1100" b="1" dirty="0">
+                  <a:solidFill>
+                    <a:srgbClr val="0A6D94"/>
+                  </a:solidFill>
+                  <a:latin typeface="+mn-ea"/>
+                </a:rPr>
+                <a:t> 적을 피뢰침 삼아 번개를 방출하는 무기</a:t>
+              </a:r>
+              <a:endParaRPr lang="en-US" altLang="ko-KR" sz="1100" b="1" dirty="0">
+                <a:solidFill>
+                  <a:srgbClr val="0A6D94"/>
+                </a:solidFill>
+                <a:latin typeface="+mn-ea"/>
+              </a:endParaRPr>
+            </a:p>
+          </p:txBody>
+        </p:sp>
+        <p:sp>
+          <p:nvSpPr>
+            <p:cNvPr id="12" name="TextBox 11">
+              <a:extLst>
+                <a:ext uri="{FF2B5EF4-FFF2-40B4-BE49-F238E27FC236}">
+                  <a16:creationId xmlns:a16="http://schemas.microsoft.com/office/drawing/2014/main" id="{11131C1F-B915-C83E-7C33-3CA6A83D937B}"/>
+                </a:ext>
+              </a:extLst>
+            </p:cNvPr>
+            <p:cNvSpPr txBox="1"/>
+            <p:nvPr/>
+          </p:nvSpPr>
+          <p:spPr>
+            <a:xfrm>
+              <a:off x="533925" y="3346582"/>
+              <a:ext cx="6277681" cy="524246"/>
+            </a:xfrm>
+            <a:prstGeom prst="rect">
+              <a:avLst/>
+            </a:prstGeom>
+            <a:noFill/>
+          </p:spPr>
+          <p:txBody>
+            <a:bodyPr wrap="none" rtlCol="0">
+              <a:spAutoFit/>
+            </a:bodyPr>
+            <a:lstStyle/>
+            <a:p>
+              <a:pPr marL="171450" indent="-171450">
+                <a:lnSpc>
+                  <a:spcPct val="150000"/>
+                </a:lnSpc>
+                <a:buFontTx/>
+                <a:buChar char="-"/>
+              </a:pPr>
+              <a:r>
+                <a:rPr lang="ko-KR" altLang="en-US" sz="1000" dirty="0">
+                  <a:latin typeface="+mn-ea"/>
+                </a:rPr>
+                <a:t>적 대상을 향해 번개가 방출되며 방출된 번개는 적 대상에게 적중 시 주변에 피해를 입히는 무기입니다</a:t>
+              </a:r>
+              <a:r>
+                <a:rPr lang="en-US" altLang="ko-KR" sz="1000" dirty="0">
+                  <a:latin typeface="+mn-ea"/>
+                </a:rPr>
+                <a:t>.</a:t>
+              </a:r>
+            </a:p>
+            <a:p>
+              <a:pPr marL="171450" indent="-171450">
+                <a:lnSpc>
+                  <a:spcPct val="150000"/>
+                </a:lnSpc>
+                <a:buFontTx/>
+                <a:buChar char="-"/>
+              </a:pPr>
+              <a:r>
+                <a:rPr lang="ko-KR" altLang="en-US" sz="1000" dirty="0">
+                  <a:latin typeface="+mn-ea"/>
+                </a:rPr>
+                <a:t>무작위의 대상에게 번개가 방출되므로 적이 많은 경우 </a:t>
+              </a:r>
+              <a:r>
+                <a:rPr lang="ko-KR" altLang="en-US" sz="1000" dirty="0" err="1">
+                  <a:latin typeface="+mn-ea"/>
+                </a:rPr>
+                <a:t>피해량이</a:t>
+              </a:r>
+              <a:r>
+                <a:rPr lang="ko-KR" altLang="en-US" sz="1000" dirty="0">
+                  <a:latin typeface="+mn-ea"/>
+                </a:rPr>
+                <a:t> 분산될 확률이 있습니다</a:t>
+              </a:r>
+              <a:r>
+                <a:rPr lang="en-US" altLang="ko-KR" sz="1000" dirty="0">
+                  <a:latin typeface="+mn-ea"/>
+                </a:rPr>
+                <a:t>.</a:t>
+              </a:r>
+            </a:p>
+          </p:txBody>
+        </p:sp>
+      </p:grpSp>
+      <p:sp>
+        <p:nvSpPr>
+          <p:cNvPr id="9" name="TextBox 8">
+            <a:extLst>
+              <a:ext uri="{FF2B5EF4-FFF2-40B4-BE49-F238E27FC236}">
+                <a16:creationId xmlns:a16="http://schemas.microsoft.com/office/drawing/2014/main" id="{93644E08-1A61-F131-6FA1-BC44E1B1D6D8}"/>
+              </a:ext>
+            </a:extLst>
+          </p:cNvPr>
+          <p:cNvSpPr txBox="1"/>
+          <p:nvPr/>
+        </p:nvSpPr>
+        <p:spPr>
+          <a:xfrm>
+            <a:off x="33832" y="1058417"/>
+            <a:ext cx="1039067" cy="276999"/>
+          </a:xfrm>
+          <a:prstGeom prst="rect">
+            <a:avLst/>
+          </a:prstGeom>
+          <a:noFill/>
+        </p:spPr>
+        <p:txBody>
+          <a:bodyPr wrap="none" rtlCol="0">
+            <a:spAutoFit/>
+          </a:bodyPr>
+          <a:lstStyle/>
+          <a:p>
+            <a:r>
+              <a:rPr lang="en-US" altLang="ko-KR" sz="1200" b="1" dirty="0">
+                <a:latin typeface="+mn-ea"/>
+              </a:rPr>
+              <a:t>1. </a:t>
+            </a:r>
+            <a:r>
+              <a:rPr lang="ko-KR" altLang="en-US" sz="1200" b="1" dirty="0">
+                <a:latin typeface="+mn-ea"/>
+              </a:rPr>
+              <a:t>기획 의도</a:t>
+            </a:r>
+            <a:endParaRPr lang="en-US" altLang="ko-KR" sz="1200" b="1" dirty="0">
+              <a:latin typeface="+mn-ea"/>
+            </a:endParaRPr>
+          </a:p>
+        </p:txBody>
+      </p:sp>
+      <p:grpSp>
+        <p:nvGrpSpPr>
+          <p:cNvPr id="22" name="그룹 21">
+            <a:extLst>
+              <a:ext uri="{FF2B5EF4-FFF2-40B4-BE49-F238E27FC236}">
+                <a16:creationId xmlns:a16="http://schemas.microsoft.com/office/drawing/2014/main" id="{49656CDC-04B5-D4E1-07BF-5C8016E4E9ED}"/>
+              </a:ext>
+            </a:extLst>
+          </p:cNvPr>
+          <p:cNvGrpSpPr/>
+          <p:nvPr/>
+        </p:nvGrpSpPr>
+        <p:grpSpPr>
+          <a:xfrm>
+            <a:off x="1779942" y="1074464"/>
+            <a:ext cx="3299587" cy="246221"/>
+            <a:chOff x="1779942" y="1074464"/>
+            <a:chExt cx="3299587" cy="246221"/>
+          </a:xfrm>
+        </p:grpSpPr>
+        <p:sp>
+          <p:nvSpPr>
+            <p:cNvPr id="13" name="TextBox 12">
+              <a:extLst>
+                <a:ext uri="{FF2B5EF4-FFF2-40B4-BE49-F238E27FC236}">
+                  <a16:creationId xmlns:a16="http://schemas.microsoft.com/office/drawing/2014/main" id="{5FAB7453-86FD-45BA-7C99-202710156B05}"/>
+                </a:ext>
+              </a:extLst>
+            </p:cNvPr>
+            <p:cNvSpPr txBox="1"/>
+            <p:nvPr/>
+          </p:nvSpPr>
+          <p:spPr>
+            <a:xfrm>
+              <a:off x="1779942" y="1074464"/>
+              <a:ext cx="647934" cy="246221"/>
+            </a:xfrm>
+            <a:prstGeom prst="rect">
+              <a:avLst/>
+            </a:prstGeom>
+            <a:noFill/>
+          </p:spPr>
+          <p:txBody>
+            <a:bodyPr wrap="none" rtlCol="0">
+              <a:spAutoFit/>
+            </a:bodyPr>
+            <a:lstStyle/>
+            <a:p>
+              <a:r>
+                <a:rPr lang="en-US" altLang="ko-KR" sz="1000" b="1" dirty="0">
+                  <a:latin typeface="+mn-ea"/>
+                </a:rPr>
+                <a:t>#</a:t>
+              </a:r>
+              <a:r>
+                <a:rPr lang="ko-KR" altLang="en-US" sz="1000" b="1" dirty="0" err="1">
+                  <a:latin typeface="+mn-ea"/>
+                </a:rPr>
+                <a:t>숙련자</a:t>
+              </a:r>
+              <a:endParaRPr lang="en-US" altLang="ko-KR" sz="1000" b="1" dirty="0">
+                <a:latin typeface="+mn-ea"/>
+              </a:endParaRPr>
+            </a:p>
+          </p:txBody>
+        </p:sp>
+        <p:sp>
+          <p:nvSpPr>
+            <p:cNvPr id="15" name="TextBox 14">
+              <a:extLst>
+                <a:ext uri="{FF2B5EF4-FFF2-40B4-BE49-F238E27FC236}">
+                  <a16:creationId xmlns:a16="http://schemas.microsoft.com/office/drawing/2014/main" id="{F8C22FA6-9BD7-6A9D-4AAC-10D86B3E1977}"/>
+                </a:ext>
+              </a:extLst>
+            </p:cNvPr>
+            <p:cNvSpPr txBox="1"/>
+            <p:nvPr/>
+          </p:nvSpPr>
+          <p:spPr>
+            <a:xfrm>
+              <a:off x="2653721" y="1074464"/>
+              <a:ext cx="1250663" cy="246221"/>
+            </a:xfrm>
+            <a:prstGeom prst="rect">
+              <a:avLst/>
+            </a:prstGeom>
+            <a:noFill/>
+          </p:spPr>
+          <p:txBody>
+            <a:bodyPr wrap="none" rtlCol="0">
+              <a:spAutoFit/>
+            </a:bodyPr>
+            <a:lstStyle/>
+            <a:p>
+              <a:r>
+                <a:rPr lang="en-US" altLang="ko-KR" sz="1000" b="1" dirty="0">
+                  <a:latin typeface="+mn-ea"/>
+                </a:rPr>
+                <a:t>#</a:t>
+              </a:r>
+              <a:r>
+                <a:rPr lang="ko-KR" altLang="en-US" sz="1000" b="1" dirty="0">
+                  <a:latin typeface="+mn-ea"/>
+                </a:rPr>
+                <a:t>한국의 전통 문화</a:t>
+              </a:r>
+              <a:endParaRPr lang="en-US" altLang="ko-KR" sz="1000" b="1" dirty="0">
+                <a:latin typeface="+mn-ea"/>
+              </a:endParaRPr>
+            </a:p>
+          </p:txBody>
+        </p:sp>
+        <p:sp>
+          <p:nvSpPr>
+            <p:cNvPr id="21" name="TextBox 20">
+              <a:extLst>
+                <a:ext uri="{FF2B5EF4-FFF2-40B4-BE49-F238E27FC236}">
+                  <a16:creationId xmlns:a16="http://schemas.microsoft.com/office/drawing/2014/main" id="{AA207A59-AA7A-2257-E980-C4C01843E93F}"/>
+                </a:ext>
+              </a:extLst>
+            </p:cNvPr>
+            <p:cNvSpPr txBox="1"/>
+            <p:nvPr/>
+          </p:nvSpPr>
+          <p:spPr>
+            <a:xfrm>
+              <a:off x="4130230" y="1074464"/>
+              <a:ext cx="949299" cy="246221"/>
+            </a:xfrm>
+            <a:prstGeom prst="rect">
+              <a:avLst/>
+            </a:prstGeom>
+            <a:noFill/>
+          </p:spPr>
+          <p:txBody>
+            <a:bodyPr wrap="none" rtlCol="0">
+              <a:spAutoFit/>
+            </a:bodyPr>
+            <a:lstStyle/>
+            <a:p>
+              <a:r>
+                <a:rPr lang="en-US" altLang="ko-KR" sz="1000" b="1" dirty="0">
+                  <a:latin typeface="+mn-ea"/>
+                </a:rPr>
+                <a:t>#</a:t>
+              </a:r>
+              <a:r>
+                <a:rPr lang="ko-KR" altLang="en-US" sz="1000" b="1" dirty="0">
+                  <a:latin typeface="+mn-ea"/>
+                </a:rPr>
+                <a:t>무작위 대상</a:t>
+              </a:r>
+              <a:endParaRPr lang="en-US" altLang="ko-KR" sz="1000" b="1" dirty="0">
+                <a:latin typeface="+mn-ea"/>
+              </a:endParaRPr>
+            </a:p>
+          </p:txBody>
+        </p:sp>
+      </p:grpSp>
+      <p:sp>
+        <p:nvSpPr>
+          <p:cNvPr id="25" name="TextBox 24">
+            <a:extLst>
+              <a:ext uri="{FF2B5EF4-FFF2-40B4-BE49-F238E27FC236}">
+                <a16:creationId xmlns:a16="http://schemas.microsoft.com/office/drawing/2014/main" id="{07A3F5F5-37B4-4206-873D-A2A3981B520A}"/>
+              </a:ext>
+            </a:extLst>
+          </p:cNvPr>
+          <p:cNvSpPr txBox="1"/>
+          <p:nvPr/>
+        </p:nvSpPr>
+        <p:spPr>
+          <a:xfrm>
+            <a:off x="558667" y="2128115"/>
+            <a:ext cx="6869188" cy="524246"/>
+          </a:xfrm>
+          <a:prstGeom prst="rect">
+            <a:avLst/>
+          </a:prstGeom>
+          <a:noFill/>
+        </p:spPr>
+        <p:txBody>
+          <a:bodyPr wrap="none" rtlCol="0">
+            <a:spAutoFit/>
+          </a:bodyPr>
+          <a:lstStyle/>
+          <a:p>
+            <a:pPr marL="171450" indent="-171450">
+              <a:lnSpc>
+                <a:spcPct val="150000"/>
+              </a:lnSpc>
+              <a:buFontTx/>
+              <a:buChar char="-"/>
+            </a:pPr>
+            <a:r>
+              <a:rPr lang="ko-KR" altLang="en-US" sz="1000" dirty="0">
+                <a:latin typeface="+mn-ea"/>
+              </a:rPr>
+              <a:t>부채는 번개를 다루는 마법 무기이지만 적에게 접근하고 적의 공격을 피해야 온전한 성능을 발휘하는 무기입니다</a:t>
+            </a:r>
+            <a:r>
+              <a:rPr lang="en-US" altLang="ko-KR" sz="1000" dirty="0">
+                <a:latin typeface="+mn-ea"/>
+              </a:rPr>
+              <a:t>.</a:t>
+            </a:r>
+            <a:endParaRPr lang="en-US" altLang="ko-KR" sz="300" dirty="0">
+              <a:latin typeface="+mn-ea"/>
+            </a:endParaRPr>
+          </a:p>
+          <a:p>
+            <a:pPr marL="171450" indent="-171450">
+              <a:lnSpc>
+                <a:spcPct val="150000"/>
+              </a:lnSpc>
+              <a:buFontTx/>
+              <a:buChar char="-"/>
+            </a:pPr>
+            <a:r>
+              <a:rPr lang="ko-KR" altLang="en-US" sz="1000" dirty="0">
+                <a:latin typeface="+mn-ea"/>
+              </a:rPr>
+              <a:t>하이 리스크 하이 리턴 형 무기로 게임의 전투 방식에 숙련된 유저에게 추천하는 무기입니다</a:t>
+            </a:r>
+            <a:r>
+              <a:rPr lang="en-US" altLang="ko-KR" sz="1000" dirty="0">
+                <a:latin typeface="+mn-ea"/>
+              </a:rPr>
+              <a:t>.</a:t>
+            </a:r>
+          </a:p>
+        </p:txBody>
+      </p:sp>
+      <p:sp>
+        <p:nvSpPr>
+          <p:cNvPr id="11" name="TextBox 10">
+            <a:extLst>
+              <a:ext uri="{FF2B5EF4-FFF2-40B4-BE49-F238E27FC236}">
+                <a16:creationId xmlns:a16="http://schemas.microsoft.com/office/drawing/2014/main" id="{31477134-64D6-C261-9F44-7BA38028767E}"/>
+              </a:ext>
+            </a:extLst>
+          </p:cNvPr>
+          <p:cNvSpPr txBox="1"/>
+          <p:nvPr/>
+        </p:nvSpPr>
+        <p:spPr>
+          <a:xfrm>
+            <a:off x="514733" y="1812509"/>
+            <a:ext cx="1650979" cy="290916"/>
+          </a:xfrm>
+          <a:prstGeom prst="roundRect">
+            <a:avLst/>
+          </a:prstGeom>
+          <a:solidFill>
+            <a:srgbClr val="0A6D94"/>
+          </a:solidFill>
+        </p:spPr>
+        <p:txBody>
+          <a:bodyPr wrap="none" lIns="108000" tIns="54000" rIns="108000" bIns="54000" rtlCol="0" anchor="ctr" anchorCtr="0">
+            <a:spAutoFit/>
+          </a:bodyPr>
+          <a:lstStyle/>
+          <a:p>
+            <a:pPr algn="ctr"/>
+            <a:r>
+              <a:rPr lang="ko-KR" altLang="en-US" sz="1000" b="1" dirty="0">
+                <a:solidFill>
+                  <a:schemeClr val="bg1"/>
+                </a:solidFill>
+                <a:latin typeface="+mn-ea"/>
+              </a:rPr>
+              <a:t>숙련된 유저를 위한 무기</a:t>
+            </a:r>
+            <a:endParaRPr lang="en-US" altLang="ko-KR" sz="1000" b="1" dirty="0">
+              <a:solidFill>
+                <a:schemeClr val="bg1"/>
+              </a:solidFill>
+              <a:latin typeface="+mn-ea"/>
+            </a:endParaRPr>
+          </a:p>
+        </p:txBody>
+      </p:sp>
+    </p:spTree>
+    <p:extLst>
+      <p:ext uri="{BB962C8B-B14F-4D97-AF65-F5344CB8AC3E}">
+        <p14:creationId xmlns:p14="http://schemas.microsoft.com/office/powerpoint/2010/main" val="1269644906"/>
+      </p:ext>
+    </p:extLst>
+  </p:cSld>
+  <p:clrMapOvr>
+    <a:masterClrMapping/>
+  </p:clrMapOvr>
+</p:sld>
+</file>
+
+<file path=ppt/slides/slide9.xml><?xml version="1.0" encoding="utf-8"?>
+<p:sld xmlns:a="http://schemas.openxmlformats.org/drawingml/2006/main" xmlns:r="http://schemas.openxmlformats.org/officeDocument/2006/relationships" xmlns:p="http://schemas.openxmlformats.org/presentationml/2006/main">
+  <p:cSld>
+    <p:spTree>
+      <p:nvGrpSpPr>
+        <p:cNvPr id="1" name=""/>
+        <p:cNvGrpSpPr/>
+        <p:nvPr/>
+      </p:nvGrpSpPr>
+      <p:grpSpPr>
+        <a:xfrm>
+          <a:off x="0" y="0"/>
+          <a:ext cx="0" cy="0"/>
+          <a:chOff x="0" y="0"/>
+          <a:chExt cx="0" cy="0"/>
+        </a:xfrm>
+      </p:grpSpPr>
+      <p:grpSp>
+        <p:nvGrpSpPr>
+          <p:cNvPr id="42" name="그룹 41">
+            <a:extLst>
+              <a:ext uri="{FF2B5EF4-FFF2-40B4-BE49-F238E27FC236}">
+                <a16:creationId xmlns:a16="http://schemas.microsoft.com/office/drawing/2014/main" id="{42655F23-37B8-4AFA-B33E-136378ECAF83}"/>
+              </a:ext>
+            </a:extLst>
+          </p:cNvPr>
+          <p:cNvGrpSpPr>
+            <a:grpSpLocks/>
+          </p:cNvGrpSpPr>
+          <p:nvPr/>
+        </p:nvGrpSpPr>
+        <p:grpSpPr>
+          <a:xfrm>
+            <a:off x="3506012" y="181080"/>
+            <a:ext cx="1600200" cy="403080"/>
+            <a:chOff x="4391025" y="108202"/>
+            <a:chExt cx="1600200" cy="524755"/>
+          </a:xfrm>
+          <a:solidFill>
+            <a:schemeClr val="bg1">
+              <a:lumMod val="95000"/>
+            </a:schemeClr>
+          </a:solidFill>
+        </p:grpSpPr>
+        <p:sp>
+          <p:nvSpPr>
+            <p:cNvPr id="44" name="평행 사변형 43">
+              <a:extLst>
+                <a:ext uri="{FF2B5EF4-FFF2-40B4-BE49-F238E27FC236}">
+                  <a16:creationId xmlns:a16="http://schemas.microsoft.com/office/drawing/2014/main" id="{CDB45949-2375-4698-8757-5E1F490E8367}"/>
+                </a:ext>
+              </a:extLst>
+            </p:cNvPr>
+            <p:cNvSpPr>
+              <a:spLocks/>
+            </p:cNvSpPr>
+            <p:nvPr/>
+          </p:nvSpPr>
+          <p:spPr>
+            <a:xfrm>
+              <a:off x="4391025" y="108202"/>
+              <a:ext cx="1600200" cy="524755"/>
+            </a:xfrm>
+            <a:prstGeom prst="parallelogram">
+              <a:avLst>
+                <a:gd name="adj" fmla="val 49299"/>
+              </a:avLst>
+            </a:prstGeom>
+            <a:grpFill/>
+            <a:ln>
+              <a:noFill/>
+            </a:ln>
+          </p:spPr>
+          <p:style>
+            <a:lnRef idx="2">
+              <a:schemeClr val="accent1">
+                <a:shade val="50000"/>
+              </a:schemeClr>
+            </a:lnRef>
+            <a:fillRef idx="1">
+              <a:schemeClr val="accent1"/>
+            </a:fillRef>
+            <a:effectRef idx="0">
+              <a:schemeClr val="accent1"/>
+            </a:effectRef>
+            <a:fontRef idx="minor">
+              <a:schemeClr val="lt1"/>
+            </a:fontRef>
+          </p:style>
+          <p:txBody>
+            <a:bodyPr rtlCol="0" anchor="ctr"/>
+            <a:lstStyle/>
+            <a:p>
+              <a:pPr algn="ctr"/>
+              <a:endParaRPr lang="ko-KR" altLang="en-US" sz="1000">
+                <a:solidFill>
+                  <a:schemeClr val="bg1">
+                    <a:lumMod val="50000"/>
+                  </a:schemeClr>
+                </a:solidFill>
+              </a:endParaRPr>
+            </a:p>
+          </p:txBody>
+        </p:sp>
+        <p:sp>
+          <p:nvSpPr>
+            <p:cNvPr id="45" name="TextBox 44">
+              <a:extLst>
+                <a:ext uri="{FF2B5EF4-FFF2-40B4-BE49-F238E27FC236}">
+                  <a16:creationId xmlns:a16="http://schemas.microsoft.com/office/drawing/2014/main" id="{34889474-D76A-48E4-9376-2EF32B706AC9}"/>
+                </a:ext>
+              </a:extLst>
+            </p:cNvPr>
+            <p:cNvSpPr txBox="1">
+              <a:spLocks/>
+            </p:cNvSpPr>
+            <p:nvPr/>
+          </p:nvSpPr>
+          <p:spPr>
+            <a:xfrm>
+              <a:off x="4791817" y="200289"/>
+              <a:ext cx="742511" cy="320546"/>
+            </a:xfrm>
+            <a:prstGeom prst="rect">
+              <a:avLst/>
+            </a:prstGeom>
+            <a:grpFill/>
+          </p:spPr>
+          <p:txBody>
+            <a:bodyPr wrap="none" rtlCol="0">
+              <a:spAutoFit/>
+            </a:bodyPr>
+            <a:lstStyle/>
+            <a:p>
+              <a:r>
+                <a:rPr lang="ko-KR" altLang="en-US" sz="1000" b="1" dirty="0">
+                  <a:solidFill>
+                    <a:schemeClr val="bg1">
+                      <a:lumMod val="50000"/>
+                    </a:schemeClr>
+                  </a:solidFill>
+                  <a:effectLst/>
+                </a:rPr>
+                <a:t>기본 모션</a:t>
+              </a:r>
+              <a:endParaRPr lang="en-US" altLang="ko-KR" sz="1000" b="1" dirty="0">
+                <a:solidFill>
+                  <a:schemeClr val="bg1">
+                    <a:lumMod val="50000"/>
+                  </a:schemeClr>
+                </a:solidFill>
+                <a:effectLst/>
+              </a:endParaRPr>
+            </a:p>
+          </p:txBody>
+        </p:sp>
+      </p:grpSp>
+      <p:grpSp>
+        <p:nvGrpSpPr>
+          <p:cNvPr id="46" name="그룹 45">
+            <a:extLst>
+              <a:ext uri="{FF2B5EF4-FFF2-40B4-BE49-F238E27FC236}">
+                <a16:creationId xmlns:a16="http://schemas.microsoft.com/office/drawing/2014/main" id="{EE51AC58-AF94-4355-BA14-C3F7835900AD}"/>
+              </a:ext>
+            </a:extLst>
+          </p:cNvPr>
+          <p:cNvGrpSpPr>
+            <a:grpSpLocks/>
+          </p:cNvGrpSpPr>
+          <p:nvPr/>
+        </p:nvGrpSpPr>
+        <p:grpSpPr>
+          <a:xfrm>
+            <a:off x="5104149" y="181080"/>
+            <a:ext cx="1600200" cy="403080"/>
+            <a:chOff x="4391025" y="108202"/>
+            <a:chExt cx="1600200" cy="524755"/>
+          </a:xfrm>
+          <a:solidFill>
+            <a:schemeClr val="bg1">
+              <a:lumMod val="95000"/>
+            </a:schemeClr>
+          </a:solidFill>
+        </p:grpSpPr>
+        <p:sp>
+          <p:nvSpPr>
+            <p:cNvPr id="47" name="평행 사변형 46">
+              <a:extLst>
+                <a:ext uri="{FF2B5EF4-FFF2-40B4-BE49-F238E27FC236}">
+                  <a16:creationId xmlns:a16="http://schemas.microsoft.com/office/drawing/2014/main" id="{F0DD6F98-F2BB-43FD-9F1C-1BB9287C7433}"/>
+                </a:ext>
+              </a:extLst>
+            </p:cNvPr>
+            <p:cNvSpPr>
+              <a:spLocks/>
+            </p:cNvSpPr>
+            <p:nvPr/>
+          </p:nvSpPr>
+          <p:spPr>
+            <a:xfrm>
+              <a:off x="4391025" y="108202"/>
+              <a:ext cx="1600200" cy="524755"/>
+            </a:xfrm>
+            <a:prstGeom prst="parallelogram">
+              <a:avLst>
+                <a:gd name="adj" fmla="val 49299"/>
+              </a:avLst>
+            </a:prstGeom>
+            <a:grpFill/>
+            <a:ln>
+              <a:noFill/>
+            </a:ln>
+          </p:spPr>
+          <p:style>
+            <a:lnRef idx="2">
+              <a:schemeClr val="accent1">
+                <a:shade val="50000"/>
+              </a:schemeClr>
+            </a:lnRef>
+            <a:fillRef idx="1">
+              <a:schemeClr val="accent1"/>
+            </a:fillRef>
+            <a:effectRef idx="0">
+              <a:schemeClr val="accent1"/>
+            </a:effectRef>
+            <a:fontRef idx="minor">
+              <a:schemeClr val="lt1"/>
+            </a:fontRef>
+          </p:style>
+          <p:txBody>
+            <a:bodyPr rtlCol="0" anchor="ctr"/>
+            <a:lstStyle/>
+            <a:p>
+              <a:pPr algn="ctr"/>
+              <a:endParaRPr lang="ko-KR" altLang="en-US" sz="1000" dirty="0">
+                <a:solidFill>
+                  <a:schemeClr val="bg1">
+                    <a:lumMod val="50000"/>
+                  </a:schemeClr>
+                </a:solidFill>
+              </a:endParaRPr>
+            </a:p>
+          </p:txBody>
+        </p:sp>
+        <p:sp>
+          <p:nvSpPr>
+            <p:cNvPr id="48" name="TextBox 47">
+              <a:extLst>
+                <a:ext uri="{FF2B5EF4-FFF2-40B4-BE49-F238E27FC236}">
+                  <a16:creationId xmlns:a16="http://schemas.microsoft.com/office/drawing/2014/main" id="{F80F3253-C5AC-483B-BAB6-88E57716E386}"/>
+                </a:ext>
+              </a:extLst>
+            </p:cNvPr>
+            <p:cNvSpPr txBox="1">
+              <a:spLocks/>
+            </p:cNvSpPr>
+            <p:nvPr/>
+          </p:nvSpPr>
+          <p:spPr>
+            <a:xfrm>
+              <a:off x="4957728" y="200289"/>
+              <a:ext cx="441146" cy="320546"/>
+            </a:xfrm>
+            <a:prstGeom prst="rect">
+              <a:avLst/>
+            </a:prstGeom>
+            <a:grpFill/>
+          </p:spPr>
+          <p:txBody>
+            <a:bodyPr wrap="none" rtlCol="0">
+              <a:spAutoFit/>
+            </a:bodyPr>
+            <a:lstStyle/>
+            <a:p>
+              <a:r>
+                <a:rPr lang="ko-KR" altLang="en-US" sz="1000" b="1" dirty="0">
+                  <a:solidFill>
+                    <a:schemeClr val="bg1">
+                      <a:lumMod val="50000"/>
+                    </a:schemeClr>
+                  </a:solidFill>
+                  <a:effectLst/>
+                </a:rPr>
+                <a:t>스킬</a:t>
+              </a:r>
+              <a:endParaRPr lang="en-US" altLang="ko-KR" sz="1000" b="1" dirty="0">
+                <a:solidFill>
+                  <a:schemeClr val="bg1">
+                    <a:lumMod val="50000"/>
+                  </a:schemeClr>
+                </a:solidFill>
+                <a:effectLst/>
+              </a:endParaRPr>
+            </a:p>
+          </p:txBody>
+        </p:sp>
+      </p:grpSp>
+      <p:grpSp>
+        <p:nvGrpSpPr>
+          <p:cNvPr id="49" name="그룹 48">
+            <a:extLst>
+              <a:ext uri="{FF2B5EF4-FFF2-40B4-BE49-F238E27FC236}">
+                <a16:creationId xmlns:a16="http://schemas.microsoft.com/office/drawing/2014/main" id="{C22A3464-0356-4B1F-BC32-53F7D0FE6E8B}"/>
+              </a:ext>
+            </a:extLst>
+          </p:cNvPr>
+          <p:cNvGrpSpPr>
+            <a:grpSpLocks/>
+          </p:cNvGrpSpPr>
+          <p:nvPr/>
+        </p:nvGrpSpPr>
+        <p:grpSpPr>
+          <a:xfrm>
+            <a:off x="1907875" y="181080"/>
+            <a:ext cx="1600200" cy="403081"/>
+            <a:chOff x="4397331" y="108202"/>
+            <a:chExt cx="1600200" cy="524755"/>
+          </a:xfrm>
+          <a:solidFill>
+            <a:schemeClr val="bg1">
+              <a:lumMod val="95000"/>
+            </a:schemeClr>
+          </a:solidFill>
+        </p:grpSpPr>
+        <p:sp>
+          <p:nvSpPr>
+            <p:cNvPr id="50" name="평행 사변형 49">
+              <a:extLst>
+                <a:ext uri="{FF2B5EF4-FFF2-40B4-BE49-F238E27FC236}">
+                  <a16:creationId xmlns:a16="http://schemas.microsoft.com/office/drawing/2014/main" id="{BFF850DA-4447-4895-914D-5EC2A72633C8}"/>
+                </a:ext>
+              </a:extLst>
+            </p:cNvPr>
+            <p:cNvSpPr>
+              <a:spLocks/>
+            </p:cNvSpPr>
+            <p:nvPr/>
+          </p:nvSpPr>
+          <p:spPr>
+            <a:xfrm>
+              <a:off x="4397331" y="108202"/>
+              <a:ext cx="1600200" cy="524755"/>
+            </a:xfrm>
+            <a:prstGeom prst="parallelogram">
+              <a:avLst>
+                <a:gd name="adj" fmla="val 49299"/>
+              </a:avLst>
+            </a:prstGeom>
+            <a:grpFill/>
+            <a:ln>
+              <a:noFill/>
+            </a:ln>
+          </p:spPr>
+          <p:style>
+            <a:lnRef idx="2">
+              <a:schemeClr val="accent1">
+                <a:shade val="50000"/>
+              </a:schemeClr>
+            </a:lnRef>
+            <a:fillRef idx="1">
+              <a:schemeClr val="accent1"/>
+            </a:fillRef>
+            <a:effectRef idx="0">
+              <a:schemeClr val="accent1"/>
+            </a:effectRef>
+            <a:fontRef idx="minor">
+              <a:schemeClr val="lt1"/>
+            </a:fontRef>
+          </p:style>
+          <p:txBody>
+            <a:bodyPr rtlCol="0" anchor="ctr"/>
+            <a:lstStyle/>
+            <a:p>
+              <a:pPr algn="ctr"/>
+              <a:endParaRPr lang="ko-KR" altLang="en-US" sz="1000">
+                <a:solidFill>
+                  <a:schemeClr val="bg1">
+                    <a:lumMod val="50000"/>
+                  </a:schemeClr>
+                </a:solidFill>
+              </a:endParaRPr>
+            </a:p>
+          </p:txBody>
+        </p:sp>
+        <p:sp>
+          <p:nvSpPr>
+            <p:cNvPr id="51" name="TextBox 50">
+              <a:extLst>
+                <a:ext uri="{FF2B5EF4-FFF2-40B4-BE49-F238E27FC236}">
+                  <a16:creationId xmlns:a16="http://schemas.microsoft.com/office/drawing/2014/main" id="{654BA4F5-7770-40D8-BCA2-A2564F6C78D7}"/>
+                </a:ext>
+              </a:extLst>
+            </p:cNvPr>
+            <p:cNvSpPr txBox="1">
+              <a:spLocks/>
+            </p:cNvSpPr>
+            <p:nvPr/>
+          </p:nvSpPr>
+          <p:spPr>
+            <a:xfrm>
+              <a:off x="4791817" y="200289"/>
+              <a:ext cx="742511" cy="320545"/>
+            </a:xfrm>
+            <a:prstGeom prst="rect">
+              <a:avLst/>
+            </a:prstGeom>
+            <a:grpFill/>
+          </p:spPr>
+          <p:txBody>
+            <a:bodyPr wrap="none" rtlCol="0">
+              <a:spAutoFit/>
+            </a:bodyPr>
+            <a:lstStyle/>
+            <a:p>
+              <a:r>
+                <a:rPr lang="ko-KR" altLang="en-US" sz="1000" b="1" dirty="0">
+                  <a:solidFill>
+                    <a:schemeClr val="bg1">
+                      <a:lumMod val="50000"/>
+                    </a:schemeClr>
+                  </a:solidFill>
+                  <a:effectLst/>
+                </a:rPr>
+                <a:t>무기 소개</a:t>
+              </a:r>
+              <a:endParaRPr lang="en-US" altLang="ko-KR" sz="1000" b="1" dirty="0">
+                <a:solidFill>
+                  <a:schemeClr val="bg1">
+                    <a:lumMod val="50000"/>
+                  </a:schemeClr>
+                </a:solidFill>
+                <a:effectLst/>
+              </a:endParaRPr>
+            </a:p>
+          </p:txBody>
+        </p:sp>
+      </p:grpSp>
+      <p:sp>
+        <p:nvSpPr>
+          <p:cNvPr id="16" name="TextBox 15">
+            <a:extLst>
+              <a:ext uri="{FF2B5EF4-FFF2-40B4-BE49-F238E27FC236}">
+                <a16:creationId xmlns:a16="http://schemas.microsoft.com/office/drawing/2014/main" id="{C39179F9-C670-49DD-9B63-20EFFDAAB0AF}"/>
+              </a:ext>
+            </a:extLst>
+          </p:cNvPr>
+          <p:cNvSpPr txBox="1">
+            <a:spLocks/>
+          </p:cNvSpPr>
+          <p:nvPr/>
+        </p:nvSpPr>
+        <p:spPr>
+          <a:xfrm>
+            <a:off x="836937" y="251815"/>
+            <a:ext cx="543739" cy="307777"/>
+          </a:xfrm>
+          <a:prstGeom prst="rect">
+            <a:avLst/>
+          </a:prstGeom>
+          <a:noFill/>
+        </p:spPr>
+        <p:txBody>
+          <a:bodyPr wrap="none" rtlCol="0">
+            <a:spAutoFit/>
+          </a:bodyPr>
+          <a:lstStyle/>
+          <a:p>
+            <a:pPr algn="ctr"/>
+            <a:r>
+              <a:rPr lang="ko-KR" altLang="en-US" sz="1400" b="1" dirty="0">
+                <a:effectLst/>
+              </a:rPr>
+              <a:t>개요</a:t>
+            </a:r>
+            <a:endParaRPr lang="en-US" altLang="ko-KR" sz="1400" b="1" dirty="0">
+              <a:effectLst/>
+            </a:endParaRPr>
+          </a:p>
+        </p:txBody>
+      </p:sp>
+      <p:sp>
+        <p:nvSpPr>
+          <p:cNvPr id="102" name="자유형: 도형 101">
+            <a:extLst>
+              <a:ext uri="{FF2B5EF4-FFF2-40B4-BE49-F238E27FC236}">
+                <a16:creationId xmlns:a16="http://schemas.microsoft.com/office/drawing/2014/main" id="{AFAEEBBF-ABAF-4362-9A17-EF9D37E9BBE0}"/>
+              </a:ext>
+            </a:extLst>
+          </p:cNvPr>
+          <p:cNvSpPr>
+            <a:spLocks/>
+          </p:cNvSpPr>
+          <p:nvPr/>
+        </p:nvSpPr>
+        <p:spPr>
+          <a:xfrm>
+            <a:off x="233052" y="185202"/>
+            <a:ext cx="1674019" cy="409575"/>
+          </a:xfrm>
+          <a:custGeom>
+            <a:avLst/>
+            <a:gdLst>
+              <a:gd name="connsiteX0" fmla="*/ 0 w 1674019"/>
+              <a:gd name="connsiteY0" fmla="*/ 409575 h 409575"/>
+              <a:gd name="connsiteX1" fmla="*/ 69056 w 1674019"/>
+              <a:gd name="connsiteY1" fmla="*/ 409575 h 409575"/>
+              <a:gd name="connsiteX2" fmla="*/ 271463 w 1674019"/>
+              <a:gd name="connsiteY2" fmla="*/ 0 h 409575"/>
+              <a:gd name="connsiteX3" fmla="*/ 1674019 w 1674019"/>
+              <a:gd name="connsiteY3" fmla="*/ 0 h 409575"/>
+              <a:gd name="connsiteX4" fmla="*/ 1469231 w 1674019"/>
+              <a:gd name="connsiteY4" fmla="*/ 409575 h 409575"/>
+              <a:gd name="connsiteX5" fmla="*/ 1543050 w 1674019"/>
+              <a:gd name="connsiteY5" fmla="*/ 409575 h 409575"/>
+            </a:gdLst>
+            <a:ahLst/>
+            <a:cxnLst>
+              <a:cxn ang="0">
+                <a:pos x="connsiteX0" y="connsiteY0"/>
+              </a:cxn>
+              <a:cxn ang="0">
+                <a:pos x="connsiteX1" y="connsiteY1"/>
+              </a:cxn>
+              <a:cxn ang="0">
+                <a:pos x="connsiteX2" y="connsiteY2"/>
+              </a:cxn>
+              <a:cxn ang="0">
+                <a:pos x="connsiteX3" y="connsiteY3"/>
+              </a:cxn>
+              <a:cxn ang="0">
+                <a:pos x="connsiteX4" y="connsiteY4"/>
+              </a:cxn>
+              <a:cxn ang="0">
+                <a:pos x="connsiteX5" y="connsiteY5"/>
+              </a:cxn>
+            </a:cxnLst>
+            <a:rect l="l" t="t" r="r" b="b"/>
+            <a:pathLst>
+              <a:path w="1674019" h="409575">
+                <a:moveTo>
+                  <a:pt x="0" y="409575"/>
+                </a:moveTo>
+                <a:lnTo>
+                  <a:pt x="69056" y="409575"/>
+                </a:lnTo>
+                <a:lnTo>
+                  <a:pt x="271463" y="0"/>
+                </a:lnTo>
+                <a:lnTo>
+                  <a:pt x="1674019" y="0"/>
+                </a:lnTo>
+                <a:lnTo>
+                  <a:pt x="1469231" y="409575"/>
+                </a:lnTo>
+                <a:lnTo>
+                  <a:pt x="1543050" y="409575"/>
+                </a:lnTo>
+              </a:path>
+            </a:pathLst>
+          </a:custGeom>
+          <a:noFill/>
+          <a:ln w="28575">
+            <a:solidFill>
+              <a:schemeClr val="accent4">
+                <a:lumMod val="75000"/>
+              </a:schemeClr>
+            </a:solidFill>
+          </a:ln>
+        </p:spPr>
+        <p:style>
+          <a:lnRef idx="2">
+            <a:schemeClr val="accent1">
+              <a:shade val="50000"/>
+            </a:schemeClr>
+          </a:lnRef>
+          <a:fillRef idx="1">
+            <a:schemeClr val="accent1"/>
+          </a:fillRef>
+          <a:effectRef idx="0">
+            <a:schemeClr val="accent1"/>
+          </a:effectRef>
+          <a:fontRef idx="minor">
+            <a:schemeClr val="lt1"/>
+          </a:fontRef>
+        </p:style>
+        <p:txBody>
+          <a:bodyPr rtlCol="0" anchor="ctr"/>
+          <a:lstStyle/>
+          <a:p>
+            <a:pPr algn="ctr"/>
+            <a:endParaRPr lang="ko-KR" altLang="en-US"/>
+          </a:p>
+        </p:txBody>
+      </p:sp>
+      <p:cxnSp>
+        <p:nvCxnSpPr>
+          <p:cNvPr id="105" name="직선 연결선 104">
+            <a:extLst>
+              <a:ext uri="{FF2B5EF4-FFF2-40B4-BE49-F238E27FC236}">
+                <a16:creationId xmlns:a16="http://schemas.microsoft.com/office/drawing/2014/main" id="{7E2F88F9-3C7B-48DF-A4C7-DA194F522C73}"/>
+              </a:ext>
+            </a:extLst>
+          </p:cNvPr>
+          <p:cNvCxnSpPr>
+            <a:cxnSpLocks/>
+            <a:stCxn id="102" idx="1"/>
+          </p:cNvCxnSpPr>
+          <p:nvPr/>
+        </p:nvCxnSpPr>
+        <p:spPr>
+          <a:xfrm flipH="1">
+            <a:off x="0" y="594777"/>
+            <a:ext cx="302108" cy="0"/>
+          </a:xfrm>
+          <a:prstGeom prst="line">
+            <a:avLst/>
+          </a:prstGeom>
+          <a:ln w="28575">
+            <a:solidFill>
+              <a:schemeClr val="accent4">
+                <a:lumMod val="75000"/>
+              </a:schemeClr>
+            </a:solidFill>
+          </a:ln>
+        </p:spPr>
+        <p:style>
+          <a:lnRef idx="2">
+            <a:schemeClr val="accent1"/>
+          </a:lnRef>
+          <a:fillRef idx="0">
+            <a:schemeClr val="accent1"/>
+          </a:fillRef>
+          <a:effectRef idx="1">
+            <a:schemeClr val="accent1"/>
+          </a:effectRef>
+          <a:fontRef idx="minor">
+            <a:schemeClr val="tx1"/>
+          </a:fontRef>
+        </p:style>
+      </p:cxnSp>
+      <p:cxnSp>
+        <p:nvCxnSpPr>
+          <p:cNvPr id="106" name="직선 연결선 105">
+            <a:extLst>
+              <a:ext uri="{FF2B5EF4-FFF2-40B4-BE49-F238E27FC236}">
+                <a16:creationId xmlns:a16="http://schemas.microsoft.com/office/drawing/2014/main" id="{3ABAC88F-1F22-4AC6-94F9-607393818B8F}"/>
+              </a:ext>
+            </a:extLst>
+          </p:cNvPr>
+          <p:cNvCxnSpPr>
+            <a:cxnSpLocks/>
+            <a:endCxn id="102" idx="4"/>
+          </p:cNvCxnSpPr>
+          <p:nvPr/>
+        </p:nvCxnSpPr>
+        <p:spPr>
+          <a:xfrm flipH="1">
+            <a:off x="1702283" y="594777"/>
+            <a:ext cx="10481310" cy="0"/>
+          </a:xfrm>
+          <a:prstGeom prst="line">
+            <a:avLst/>
+          </a:prstGeom>
+          <a:ln w="28575">
+            <a:solidFill>
+              <a:schemeClr val="accent4">
+                <a:lumMod val="75000"/>
+              </a:schemeClr>
+            </a:solidFill>
+          </a:ln>
+        </p:spPr>
+        <p:style>
+          <a:lnRef idx="2">
+            <a:schemeClr val="accent1"/>
+          </a:lnRef>
+          <a:fillRef idx="0">
+            <a:schemeClr val="accent1"/>
+          </a:fillRef>
+          <a:effectRef idx="1">
+            <a:schemeClr val="accent1"/>
+          </a:effectRef>
+          <a:fontRef idx="minor">
+            <a:schemeClr val="tx1"/>
+          </a:fontRef>
+        </p:style>
+      </p:cxnSp>
+      <p:grpSp>
+        <p:nvGrpSpPr>
+          <p:cNvPr id="6" name="그룹 5">
+            <a:extLst>
+              <a:ext uri="{FF2B5EF4-FFF2-40B4-BE49-F238E27FC236}">
+                <a16:creationId xmlns:a16="http://schemas.microsoft.com/office/drawing/2014/main" id="{FB2DC671-EBE6-161D-9D80-4A8AB5D7C3A6}"/>
+              </a:ext>
+            </a:extLst>
+          </p:cNvPr>
+          <p:cNvGrpSpPr/>
+          <p:nvPr/>
+        </p:nvGrpSpPr>
+        <p:grpSpPr>
+          <a:xfrm>
+            <a:off x="10502114" y="78962"/>
+            <a:ext cx="1689886" cy="505199"/>
+            <a:chOff x="10502114" y="78962"/>
+            <a:chExt cx="1689886" cy="505199"/>
+          </a:xfrm>
+        </p:grpSpPr>
+        <p:sp>
+          <p:nvSpPr>
+            <p:cNvPr id="2" name="TextBox 1">
+              <a:extLst>
+                <a:ext uri="{FF2B5EF4-FFF2-40B4-BE49-F238E27FC236}">
+                  <a16:creationId xmlns:a16="http://schemas.microsoft.com/office/drawing/2014/main" id="{01E4C8AF-3C7D-95E4-288F-0BE7BD60B384}"/>
+                </a:ext>
+              </a:extLst>
+            </p:cNvPr>
+            <p:cNvSpPr txBox="1">
+              <a:spLocks/>
+            </p:cNvSpPr>
+            <p:nvPr/>
+          </p:nvSpPr>
+          <p:spPr>
+            <a:xfrm>
+              <a:off x="10502114" y="353329"/>
+              <a:ext cx="1689886" cy="230832"/>
+            </a:xfrm>
+            <a:prstGeom prst="rect">
+              <a:avLst/>
+            </a:prstGeom>
+            <a:noFill/>
+          </p:spPr>
+          <p:txBody>
+            <a:bodyPr wrap="none" rtlCol="0">
+              <a:spAutoFit/>
+            </a:bodyPr>
+            <a:lstStyle/>
+            <a:p>
+              <a:pPr algn="r"/>
+              <a:r>
+                <a:rPr lang="ko-KR" altLang="en-US" sz="900" b="1" dirty="0" err="1">
+                  <a:solidFill>
+                    <a:schemeClr val="bg1">
+                      <a:lumMod val="50000"/>
+                    </a:schemeClr>
+                  </a:solidFill>
+                  <a:effectLst/>
+                </a:rPr>
+                <a:t>리트루기아</a:t>
+              </a:r>
+              <a:r>
+                <a:rPr lang="ko-KR" altLang="en-US" sz="900" b="1" dirty="0">
+                  <a:solidFill>
+                    <a:schemeClr val="bg1">
+                      <a:lumMod val="50000"/>
+                    </a:schemeClr>
+                  </a:solidFill>
+                  <a:effectLst/>
+                </a:rPr>
+                <a:t> 부채 스킬 기획서</a:t>
+              </a:r>
+              <a:endParaRPr lang="en-US" altLang="ko-KR" sz="900" b="1" dirty="0">
+                <a:solidFill>
+                  <a:schemeClr val="bg1">
+                    <a:lumMod val="50000"/>
+                  </a:schemeClr>
+                </a:solidFill>
+                <a:effectLst/>
+              </a:endParaRPr>
+            </a:p>
+          </p:txBody>
+        </p:sp>
+        <p:grpSp>
+          <p:nvGrpSpPr>
+            <p:cNvPr id="3" name="그룹 2">
+              <a:extLst>
+                <a:ext uri="{FF2B5EF4-FFF2-40B4-BE49-F238E27FC236}">
+                  <a16:creationId xmlns:a16="http://schemas.microsoft.com/office/drawing/2014/main" id="{6554ECE8-DBAA-0C88-9E14-73F4746D825D}"/>
+                </a:ext>
+              </a:extLst>
+            </p:cNvPr>
+            <p:cNvGrpSpPr>
+              <a:grpSpLocks/>
+            </p:cNvGrpSpPr>
+            <p:nvPr/>
+          </p:nvGrpSpPr>
+          <p:grpSpPr>
+            <a:xfrm>
+              <a:off x="11805028" y="78962"/>
+              <a:ext cx="307840" cy="263869"/>
+              <a:chOff x="1302299" y="2529509"/>
+              <a:chExt cx="800080" cy="685799"/>
+            </a:xfrm>
+            <a:solidFill>
+              <a:schemeClr val="accent4">
+                <a:lumMod val="50000"/>
+              </a:schemeClr>
+            </a:solidFill>
+          </p:grpSpPr>
+          <p:sp>
+            <p:nvSpPr>
+              <p:cNvPr id="4" name="자유형: 도형 3">
+                <a:extLst>
+                  <a:ext uri="{FF2B5EF4-FFF2-40B4-BE49-F238E27FC236}">
+                    <a16:creationId xmlns:a16="http://schemas.microsoft.com/office/drawing/2014/main" id="{977C45A4-3617-F15D-3203-2562F51B65B2}"/>
+                  </a:ext>
+                </a:extLst>
+              </p:cNvPr>
+              <p:cNvSpPr>
+                <a:spLocks/>
+              </p:cNvSpPr>
+              <p:nvPr/>
+            </p:nvSpPr>
+            <p:spPr>
+              <a:xfrm>
+                <a:off x="1302299" y="2529509"/>
+                <a:ext cx="800080" cy="417509"/>
+              </a:xfrm>
+              <a:custGeom>
+                <a:avLst/>
+                <a:gdLst>
+                  <a:gd name="connsiteX0" fmla="*/ 400031 w 800080"/>
+                  <a:gd name="connsiteY0" fmla="*/ 78581 h 417509"/>
+                  <a:gd name="connsiteX1" fmla="*/ 400050 w 800080"/>
+                  <a:gd name="connsiteY1" fmla="*/ 78581 h 417509"/>
+                  <a:gd name="connsiteX2" fmla="*/ 756837 w 800080"/>
+                  <a:gd name="connsiteY2" fmla="*/ 417509 h 417509"/>
+                  <a:gd name="connsiteX3" fmla="*/ 800081 w 800080"/>
+                  <a:gd name="connsiteY3" fmla="*/ 380552 h 417509"/>
+                  <a:gd name="connsiteX4" fmla="*/ 400050 w 800080"/>
+                  <a:gd name="connsiteY4" fmla="*/ 0 h 417509"/>
+                  <a:gd name="connsiteX5" fmla="*/ 400031 w 800080"/>
+                  <a:gd name="connsiteY5" fmla="*/ 0 h 417509"/>
+                  <a:gd name="connsiteX6" fmla="*/ 0 w 800080"/>
+                  <a:gd name="connsiteY6" fmla="*/ 380552 h 417509"/>
+                  <a:gd name="connsiteX7" fmla="*/ 43244 w 800080"/>
+                  <a:gd name="connsiteY7" fmla="*/ 417509 h 417509"/>
+                  <a:gd name="connsiteX8" fmla="*/ 400031 w 800080"/>
+                  <a:gd name="connsiteY8" fmla="*/ 78581 h 417509"/>
+                </a:gdLst>
+                <a:ahLst/>
+                <a:cxnLst>
+                  <a:cxn ang="0">
+                    <a:pos x="connsiteX0" y="connsiteY0"/>
+                  </a:cxn>
+                  <a:cxn ang="0">
+                    <a:pos x="connsiteX1" y="connsiteY1"/>
+                  </a:cxn>
+                  <a:cxn ang="0">
+                    <a:pos x="connsiteX2" y="connsiteY2"/>
+                  </a:cxn>
+                  <a:cxn ang="0">
+                    <a:pos x="connsiteX3" y="connsiteY3"/>
+                  </a:cxn>
+                  <a:cxn ang="0">
+                    <a:pos x="connsiteX4" y="connsiteY4"/>
+                  </a:cxn>
+                  <a:cxn ang="0">
+                    <a:pos x="connsiteX5" y="connsiteY5"/>
+                  </a:cxn>
+                  <a:cxn ang="0">
+                    <a:pos x="connsiteX6" y="connsiteY6"/>
+                  </a:cxn>
+                  <a:cxn ang="0">
+                    <a:pos x="connsiteX7" y="connsiteY7"/>
+                  </a:cxn>
+                  <a:cxn ang="0">
+                    <a:pos x="connsiteX8" y="connsiteY8"/>
+                  </a:cxn>
+                </a:cxnLst>
+                <a:rect l="l" t="t" r="r" b="b"/>
+                <a:pathLst>
+                  <a:path w="800080" h="417509">
+                    <a:moveTo>
+                      <a:pt x="400031" y="78581"/>
+                    </a:moveTo>
+                    <a:lnTo>
+                      <a:pt x="400050" y="78581"/>
+                    </a:lnTo>
+                    <a:lnTo>
+                      <a:pt x="756837" y="417509"/>
+                    </a:lnTo>
+                    <a:lnTo>
+                      <a:pt x="800081" y="380552"/>
+                    </a:lnTo>
+                    <a:lnTo>
+                      <a:pt x="400050" y="0"/>
+                    </a:lnTo>
+                    <a:lnTo>
+                      <a:pt x="400031" y="0"/>
+                    </a:lnTo>
+                    <a:lnTo>
+                      <a:pt x="0" y="380552"/>
+                    </a:lnTo>
+                    <a:lnTo>
+                      <a:pt x="43244" y="417509"/>
+                    </a:lnTo>
+                    <a:lnTo>
+                      <a:pt x="400031" y="78581"/>
+                    </a:lnTo>
+                    <a:close/>
+                  </a:path>
+                </a:pathLst>
+              </a:custGeom>
+              <a:grpFill/>
+              <a:ln w="9525" cap="flat">
+                <a:noFill/>
+                <a:prstDash val="solid"/>
+                <a:miter/>
+              </a:ln>
+            </p:spPr>
+            <p:txBody>
+              <a:bodyPr rtlCol="0" anchor="ctr"/>
+              <a:lstStyle/>
+              <a:p>
+                <a:endParaRPr lang="ko-KR" altLang="en-US"/>
+              </a:p>
+            </p:txBody>
+          </p:sp>
+          <p:sp>
+            <p:nvSpPr>
+              <p:cNvPr id="5" name="자유형: 도형 4">
+                <a:extLst>
+                  <a:ext uri="{FF2B5EF4-FFF2-40B4-BE49-F238E27FC236}">
+                    <a16:creationId xmlns:a16="http://schemas.microsoft.com/office/drawing/2014/main" id="{12ED3F9A-D0A4-00B4-0EB5-66A71FB495A6}"/>
+                  </a:ext>
+                </a:extLst>
+              </p:cNvPr>
+              <p:cNvSpPr>
+                <a:spLocks/>
+              </p:cNvSpPr>
+              <p:nvPr/>
+            </p:nvSpPr>
+            <p:spPr>
+              <a:xfrm>
+                <a:off x="1416580" y="2660630"/>
+                <a:ext cx="571499" cy="554678"/>
+              </a:xfrm>
+              <a:custGeom>
+                <a:avLst/>
+                <a:gdLst>
+                  <a:gd name="connsiteX0" fmla="*/ 0 w 571499"/>
+                  <a:gd name="connsiteY0" fmla="*/ 271453 h 554678"/>
+                  <a:gd name="connsiteX1" fmla="*/ 0 w 571499"/>
+                  <a:gd name="connsiteY1" fmla="*/ 554679 h 554678"/>
+                  <a:gd name="connsiteX2" fmla="*/ 228600 w 571499"/>
+                  <a:gd name="connsiteY2" fmla="*/ 554679 h 554678"/>
+                  <a:gd name="connsiteX3" fmla="*/ 228600 w 571499"/>
+                  <a:gd name="connsiteY3" fmla="*/ 316554 h 554678"/>
+                  <a:gd name="connsiteX4" fmla="*/ 342900 w 571499"/>
+                  <a:gd name="connsiteY4" fmla="*/ 316554 h 554678"/>
+                  <a:gd name="connsiteX5" fmla="*/ 342900 w 571499"/>
+                  <a:gd name="connsiteY5" fmla="*/ 554679 h 554678"/>
+                  <a:gd name="connsiteX6" fmla="*/ 571500 w 571499"/>
+                  <a:gd name="connsiteY6" fmla="*/ 554679 h 554678"/>
+                  <a:gd name="connsiteX7" fmla="*/ 571500 w 571499"/>
+                  <a:gd name="connsiteY7" fmla="*/ 271443 h 554678"/>
+                  <a:gd name="connsiteX8" fmla="*/ 285760 w 571499"/>
+                  <a:gd name="connsiteY8" fmla="*/ 0 h 554678"/>
+                  <a:gd name="connsiteX9" fmla="*/ 0 w 571499"/>
+                  <a:gd name="connsiteY9" fmla="*/ 271453 h 554678"/>
+                </a:gdLst>
+                <a:ahLst/>
+                <a:cxnLst>
+                  <a:cxn ang="0">
+                    <a:pos x="connsiteX0" y="connsiteY0"/>
+                  </a:cxn>
+                  <a:cxn ang="0">
+                    <a:pos x="connsiteX1" y="connsiteY1"/>
+                  </a:cxn>
+                  <a:cxn ang="0">
+                    <a:pos x="connsiteX2" y="connsiteY2"/>
+                  </a:cxn>
+                  <a:cxn ang="0">
+                    <a:pos x="connsiteX3" y="connsiteY3"/>
+                  </a:cxn>
+                  <a:cxn ang="0">
+                    <a:pos x="connsiteX4" y="connsiteY4"/>
+                  </a:cxn>
+                  <a:cxn ang="0">
+                    <a:pos x="connsiteX5" y="connsiteY5"/>
+                  </a:cxn>
+                  <a:cxn ang="0">
+                    <a:pos x="connsiteX6" y="connsiteY6"/>
+                  </a:cxn>
+                  <a:cxn ang="0">
+                    <a:pos x="connsiteX7" y="connsiteY7"/>
+                  </a:cxn>
+                  <a:cxn ang="0">
+                    <a:pos x="connsiteX8" y="connsiteY8"/>
+                  </a:cxn>
+                  <a:cxn ang="0">
+                    <a:pos x="connsiteX9" y="connsiteY9"/>
+                  </a:cxn>
+                </a:cxnLst>
+                <a:rect l="l" t="t" r="r" b="b"/>
+                <a:pathLst>
+                  <a:path w="571499" h="554678">
+                    <a:moveTo>
+                      <a:pt x="0" y="271453"/>
+                    </a:moveTo>
+                    <a:lnTo>
+                      <a:pt x="0" y="554679"/>
+                    </a:lnTo>
+                    <a:lnTo>
+                      <a:pt x="228600" y="554679"/>
+                    </a:lnTo>
+                    <a:lnTo>
+                      <a:pt x="228600" y="316554"/>
+                    </a:lnTo>
+                    <a:lnTo>
+                      <a:pt x="342900" y="316554"/>
+                    </a:lnTo>
+                    <a:lnTo>
+                      <a:pt x="342900" y="554679"/>
+                    </a:lnTo>
+                    <a:lnTo>
+                      <a:pt x="571500" y="554679"/>
+                    </a:lnTo>
+                    <a:lnTo>
+                      <a:pt x="571500" y="271443"/>
+                    </a:lnTo>
+                    <a:lnTo>
+                      <a:pt x="285760" y="0"/>
+                    </a:lnTo>
+                    <a:lnTo>
+                      <a:pt x="0" y="271453"/>
+                    </a:lnTo>
+                    <a:close/>
+                  </a:path>
+                </a:pathLst>
+              </a:custGeom>
+              <a:grpFill/>
+              <a:ln w="9525" cap="flat">
+                <a:noFill/>
+                <a:prstDash val="solid"/>
+                <a:miter/>
+              </a:ln>
+            </p:spPr>
+            <p:txBody>
+              <a:bodyPr rtlCol="0" anchor="ctr"/>
+              <a:lstStyle/>
+              <a:p>
+                <a:endParaRPr lang="ko-KR" altLang="en-US"/>
+              </a:p>
+            </p:txBody>
+          </p:sp>
+        </p:grpSp>
+      </p:grpSp>
+      <p:sp>
+        <p:nvSpPr>
+          <p:cNvPr id="7" name="직사각형 6">
+            <a:hlinkClick r:id="rId2" action="ppaction://hlinksldjump"/>
+            <a:extLst>
+              <a:ext uri="{FF2B5EF4-FFF2-40B4-BE49-F238E27FC236}">
+                <a16:creationId xmlns:a16="http://schemas.microsoft.com/office/drawing/2014/main" id="{E117750A-46BB-1F41-D7CE-EFF04B39B91C}"/>
+              </a:ext>
+            </a:extLst>
+          </p:cNvPr>
+          <p:cNvSpPr/>
+          <p:nvPr/>
+        </p:nvSpPr>
+        <p:spPr>
+          <a:xfrm>
+            <a:off x="10614103" y="66088"/>
+            <a:ext cx="1495199" cy="462402"/>
+          </a:xfrm>
+          <a:prstGeom prst="rect">
+            <a:avLst/>
+          </a:prstGeom>
+          <a:noFill/>
+          <a:ln>
+            <a:noFill/>
+          </a:ln>
+        </p:spPr>
+        <p:style>
+          <a:lnRef idx="2">
+            <a:schemeClr val="accent1">
+              <a:shade val="15000"/>
+            </a:schemeClr>
+          </a:lnRef>
+          <a:fillRef idx="1">
+            <a:schemeClr val="accent1"/>
+          </a:fillRef>
+          <a:effectRef idx="0">
+            <a:schemeClr val="accent1"/>
+          </a:effectRef>
+          <a:fontRef idx="minor">
+            <a:schemeClr val="lt1"/>
+          </a:fontRef>
+        </p:style>
+        <p:txBody>
+          <a:bodyPr rtlCol="0" anchor="ctr"/>
+          <a:lstStyle/>
+          <a:p>
+            <a:pPr algn="ctr"/>
+            <a:endParaRPr lang="ko-KR" altLang="en-US"/>
+          </a:p>
+        </p:txBody>
+      </p:sp>
+      <p:sp>
+        <p:nvSpPr>
+          <p:cNvPr id="8" name="TextBox 7">
+            <a:extLst>
+              <a:ext uri="{FF2B5EF4-FFF2-40B4-BE49-F238E27FC236}">
+                <a16:creationId xmlns:a16="http://schemas.microsoft.com/office/drawing/2014/main" id="{6BC10790-19E8-5DD2-F1D6-8ED133F9961D}"/>
+              </a:ext>
+            </a:extLst>
+          </p:cNvPr>
+          <p:cNvSpPr txBox="1"/>
+          <p:nvPr/>
+        </p:nvSpPr>
+        <p:spPr>
+          <a:xfrm>
+            <a:off x="302108" y="1964722"/>
+            <a:ext cx="2024913" cy="261610"/>
+          </a:xfrm>
+          <a:prstGeom prst="rect">
+            <a:avLst/>
+          </a:prstGeom>
+          <a:noFill/>
+        </p:spPr>
+        <p:txBody>
+          <a:bodyPr wrap="none" rtlCol="0">
+            <a:spAutoFit/>
+          </a:bodyPr>
+          <a:lstStyle/>
+          <a:p>
+            <a:r>
+              <a:rPr lang="en-US" altLang="ko-KR" sz="1100" b="1" dirty="0">
+                <a:latin typeface="+mn-ea"/>
+              </a:rPr>
+              <a:t>(1)</a:t>
+            </a:r>
+            <a:r>
+              <a:rPr lang="ko-KR" altLang="en-US" sz="1100" b="1" dirty="0">
+                <a:latin typeface="+mn-ea"/>
+              </a:rPr>
+              <a:t> 적이 단일 대상일 때 사용</a:t>
+            </a:r>
+            <a:endParaRPr lang="en-US" altLang="ko-KR" sz="1100" b="1" dirty="0">
+              <a:latin typeface="+mn-ea"/>
+            </a:endParaRPr>
+          </a:p>
+        </p:txBody>
+      </p:sp>
+      <p:sp>
+        <p:nvSpPr>
+          <p:cNvPr id="9" name="TextBox 8">
+            <a:extLst>
+              <a:ext uri="{FF2B5EF4-FFF2-40B4-BE49-F238E27FC236}">
+                <a16:creationId xmlns:a16="http://schemas.microsoft.com/office/drawing/2014/main" id="{F32E76B6-2087-1A27-50AE-A002B627AC92}"/>
+              </a:ext>
+            </a:extLst>
+          </p:cNvPr>
+          <p:cNvSpPr txBox="1"/>
+          <p:nvPr/>
+        </p:nvSpPr>
+        <p:spPr>
+          <a:xfrm>
+            <a:off x="533925" y="2226844"/>
+            <a:ext cx="5112297" cy="293414"/>
+          </a:xfrm>
+          <a:prstGeom prst="rect">
+            <a:avLst/>
+          </a:prstGeom>
+          <a:noFill/>
+        </p:spPr>
+        <p:txBody>
+          <a:bodyPr wrap="none" rtlCol="0" anchor="ctr">
+            <a:spAutoFit/>
+          </a:bodyPr>
+          <a:lstStyle/>
+          <a:p>
+            <a:pPr marL="171450" indent="-171450">
+              <a:lnSpc>
+                <a:spcPct val="150000"/>
+              </a:lnSpc>
+              <a:buFontTx/>
+              <a:buChar char="-"/>
+            </a:pPr>
+            <a:r>
+              <a:rPr lang="ko-KR" altLang="en-US" sz="1000" dirty="0">
+                <a:latin typeface="+mn-ea"/>
+              </a:rPr>
+              <a:t>적이 단일 대상일 때 해당 대상에게만 번개가 방출되어 높은 피해를 줄 수 있습니다</a:t>
+            </a:r>
+            <a:r>
+              <a:rPr lang="en-US" altLang="ko-KR" sz="1000" dirty="0">
+                <a:latin typeface="+mn-ea"/>
+              </a:rPr>
+              <a:t>.</a:t>
+            </a:r>
+          </a:p>
+        </p:txBody>
+      </p:sp>
+      <p:sp>
+        <p:nvSpPr>
+          <p:cNvPr id="13" name="TextBox 12">
+            <a:extLst>
+              <a:ext uri="{FF2B5EF4-FFF2-40B4-BE49-F238E27FC236}">
+                <a16:creationId xmlns:a16="http://schemas.microsoft.com/office/drawing/2014/main" id="{E9DB440A-F4D1-F573-DF16-3682FF7810B7}"/>
+              </a:ext>
+            </a:extLst>
+          </p:cNvPr>
+          <p:cNvSpPr txBox="1"/>
+          <p:nvPr/>
+        </p:nvSpPr>
+        <p:spPr>
+          <a:xfrm>
+            <a:off x="302108" y="3167390"/>
+            <a:ext cx="2638864" cy="261610"/>
+          </a:xfrm>
+          <a:prstGeom prst="rect">
+            <a:avLst/>
+          </a:prstGeom>
+          <a:noFill/>
+        </p:spPr>
+        <p:txBody>
+          <a:bodyPr wrap="none" rtlCol="0">
+            <a:spAutoFit/>
+          </a:bodyPr>
+          <a:lstStyle/>
+          <a:p>
+            <a:r>
+              <a:rPr lang="en-US" altLang="ko-KR" sz="1100" b="1" dirty="0">
+                <a:latin typeface="+mn-ea"/>
+              </a:rPr>
+              <a:t>(2)</a:t>
+            </a:r>
+            <a:r>
+              <a:rPr lang="ko-KR" altLang="en-US" sz="1100" b="1" dirty="0">
+                <a:latin typeface="+mn-ea"/>
+              </a:rPr>
+              <a:t> 광역 공격 위주의 무기와 함께 사용</a:t>
+            </a:r>
+            <a:endParaRPr lang="en-US" altLang="ko-KR" sz="1100" b="1" dirty="0">
+              <a:latin typeface="+mn-ea"/>
+            </a:endParaRPr>
+          </a:p>
+        </p:txBody>
+      </p:sp>
+      <p:sp>
+        <p:nvSpPr>
+          <p:cNvPr id="15" name="TextBox 14">
+            <a:extLst>
+              <a:ext uri="{FF2B5EF4-FFF2-40B4-BE49-F238E27FC236}">
+                <a16:creationId xmlns:a16="http://schemas.microsoft.com/office/drawing/2014/main" id="{A4889C47-690F-D451-ED4F-36F4DC344ED2}"/>
+              </a:ext>
+            </a:extLst>
+          </p:cNvPr>
+          <p:cNvSpPr txBox="1"/>
+          <p:nvPr/>
+        </p:nvSpPr>
+        <p:spPr>
+          <a:xfrm>
+            <a:off x="533925" y="3429000"/>
+            <a:ext cx="7494359" cy="293414"/>
+          </a:xfrm>
+          <a:prstGeom prst="rect">
+            <a:avLst/>
+          </a:prstGeom>
+          <a:noFill/>
+        </p:spPr>
+        <p:txBody>
+          <a:bodyPr wrap="none" rtlCol="0" anchor="ctr">
+            <a:spAutoFit/>
+          </a:bodyPr>
+          <a:lstStyle/>
+          <a:p>
+            <a:pPr marL="171450" indent="-171450">
+              <a:lnSpc>
+                <a:spcPct val="150000"/>
+              </a:lnSpc>
+              <a:buFontTx/>
+              <a:buChar char="-"/>
+            </a:pPr>
+            <a:r>
+              <a:rPr lang="ko-KR" altLang="en-US" sz="1000" dirty="0">
+                <a:latin typeface="+mn-ea"/>
+              </a:rPr>
+              <a:t>다수의 적과 전투 시 광역 공격 위주의 무기로 약한 몬스터를 우선 처치한 후 부채로 </a:t>
+            </a:r>
+            <a:r>
+              <a:rPr lang="ko-KR" altLang="en-US" sz="1000" dirty="0" err="1">
+                <a:latin typeface="+mn-ea"/>
+              </a:rPr>
+              <a:t>스위칭하면</a:t>
+            </a:r>
+            <a:r>
+              <a:rPr lang="ko-KR" altLang="en-US" sz="1000" dirty="0">
+                <a:latin typeface="+mn-ea"/>
+              </a:rPr>
+              <a:t> 높은 효율을 낼 수 있습니다</a:t>
+            </a:r>
+            <a:r>
+              <a:rPr lang="en-US" altLang="ko-KR" sz="1000" dirty="0">
+                <a:latin typeface="+mn-ea"/>
+              </a:rPr>
+              <a:t>.</a:t>
+            </a:r>
+          </a:p>
+        </p:txBody>
+      </p:sp>
+      <p:sp>
+        <p:nvSpPr>
+          <p:cNvPr id="11" name="화살표: 오각형 10">
+            <a:extLst>
+              <a:ext uri="{FF2B5EF4-FFF2-40B4-BE49-F238E27FC236}">
+                <a16:creationId xmlns:a16="http://schemas.microsoft.com/office/drawing/2014/main" id="{7971E4EB-3F89-59D5-2183-FD6EF70FD1D0}"/>
+              </a:ext>
+            </a:extLst>
+          </p:cNvPr>
+          <p:cNvSpPr/>
+          <p:nvPr/>
+        </p:nvSpPr>
+        <p:spPr>
+          <a:xfrm>
+            <a:off x="1" y="994687"/>
+            <a:ext cx="1702282" cy="404461"/>
+          </a:xfrm>
+          <a:prstGeom prst="homePlate">
+            <a:avLst/>
+          </a:prstGeom>
+          <a:solidFill>
+            <a:schemeClr val="bg1">
+              <a:lumMod val="95000"/>
+            </a:schemeClr>
+          </a:solidFill>
+          <a:ln>
+            <a:solidFill>
+              <a:schemeClr val="accent4">
+                <a:lumMod val="75000"/>
+              </a:schemeClr>
+            </a:solidFill>
+          </a:ln>
+        </p:spPr>
+        <p:style>
+          <a:lnRef idx="2">
+            <a:schemeClr val="accent1">
+              <a:shade val="15000"/>
+            </a:schemeClr>
+          </a:lnRef>
+          <a:fillRef idx="1">
+            <a:schemeClr val="accent1"/>
+          </a:fillRef>
+          <a:effectRef idx="0">
+            <a:schemeClr val="accent1"/>
+          </a:effectRef>
+          <a:fontRef idx="minor">
+            <a:schemeClr val="lt1"/>
+          </a:fontRef>
+        </p:style>
+        <p:txBody>
+          <a:bodyPr rtlCol="0" anchor="ctr"/>
+          <a:lstStyle/>
+          <a:p>
+            <a:pPr algn="ctr"/>
+            <a:endParaRPr lang="ko-KR" altLang="en-US"/>
+          </a:p>
+        </p:txBody>
+      </p:sp>
+      <p:sp>
+        <p:nvSpPr>
+          <p:cNvPr id="12" name="TextBox 11">
+            <a:extLst>
+              <a:ext uri="{FF2B5EF4-FFF2-40B4-BE49-F238E27FC236}">
+                <a16:creationId xmlns:a16="http://schemas.microsoft.com/office/drawing/2014/main" id="{8DB8C6B1-09E9-B283-5AE2-209474A34E88}"/>
+              </a:ext>
+            </a:extLst>
+          </p:cNvPr>
+          <p:cNvSpPr txBox="1"/>
+          <p:nvPr/>
+        </p:nvSpPr>
+        <p:spPr>
+          <a:xfrm>
+            <a:off x="33832" y="1058417"/>
+            <a:ext cx="1346844" cy="276999"/>
+          </a:xfrm>
+          <a:prstGeom prst="rect">
+            <a:avLst/>
+          </a:prstGeom>
+          <a:noFill/>
+        </p:spPr>
+        <p:txBody>
+          <a:bodyPr wrap="none" rtlCol="0">
+            <a:spAutoFit/>
+          </a:bodyPr>
+          <a:lstStyle/>
+          <a:p>
+            <a:r>
+              <a:rPr lang="en-US" altLang="ko-KR" sz="1200" b="1" dirty="0">
+                <a:latin typeface="+mn-ea"/>
+              </a:rPr>
+              <a:t>2. </a:t>
+            </a:r>
+            <a:r>
+              <a:rPr lang="ko-KR" altLang="en-US" sz="1200" b="1" dirty="0">
+                <a:latin typeface="+mn-ea"/>
+              </a:rPr>
+              <a:t>전투의 방향성</a:t>
+            </a:r>
+            <a:endParaRPr lang="en-US" altLang="ko-KR" sz="1200" b="1" dirty="0">
+              <a:latin typeface="+mn-ea"/>
+            </a:endParaRPr>
+          </a:p>
+        </p:txBody>
+      </p:sp>
+      <p:sp>
+        <p:nvSpPr>
+          <p:cNvPr id="14" name="TextBox 13">
+            <a:extLst>
+              <a:ext uri="{FF2B5EF4-FFF2-40B4-BE49-F238E27FC236}">
+                <a16:creationId xmlns:a16="http://schemas.microsoft.com/office/drawing/2014/main" id="{8B53BC73-AFC7-A9A8-132D-00DBAD097980}"/>
+              </a:ext>
+            </a:extLst>
+          </p:cNvPr>
+          <p:cNvSpPr txBox="1"/>
+          <p:nvPr/>
+        </p:nvSpPr>
+        <p:spPr>
+          <a:xfrm>
+            <a:off x="302108" y="4505530"/>
+            <a:ext cx="2920992" cy="261610"/>
+          </a:xfrm>
+          <a:prstGeom prst="rect">
+            <a:avLst/>
+          </a:prstGeom>
+          <a:noFill/>
+        </p:spPr>
+        <p:txBody>
+          <a:bodyPr wrap="none" rtlCol="0">
+            <a:spAutoFit/>
+          </a:bodyPr>
+          <a:lstStyle/>
+          <a:p>
+            <a:r>
+              <a:rPr lang="en-US" altLang="ko-KR" sz="1100" b="1" dirty="0">
+                <a:latin typeface="+mn-ea"/>
+              </a:rPr>
+              <a:t>(3)</a:t>
+            </a:r>
+            <a:r>
+              <a:rPr lang="ko-KR" altLang="en-US" sz="1100" b="1" dirty="0">
+                <a:latin typeface="+mn-ea"/>
+              </a:rPr>
+              <a:t> 몬스터의 공격 사이 사이에 스킬을 사용</a:t>
+            </a:r>
+            <a:endParaRPr lang="en-US" altLang="ko-KR" sz="1100" b="1" dirty="0">
+              <a:latin typeface="+mn-ea"/>
+            </a:endParaRPr>
+          </a:p>
+        </p:txBody>
+      </p:sp>
+      <p:sp>
+        <p:nvSpPr>
+          <p:cNvPr id="17" name="TextBox 16">
+            <a:extLst>
+              <a:ext uri="{FF2B5EF4-FFF2-40B4-BE49-F238E27FC236}">
+                <a16:creationId xmlns:a16="http://schemas.microsoft.com/office/drawing/2014/main" id="{343B04CB-FE75-8B48-14C2-4B4C26D6D612}"/>
+              </a:ext>
+            </a:extLst>
+          </p:cNvPr>
+          <p:cNvSpPr txBox="1"/>
+          <p:nvPr/>
+        </p:nvSpPr>
+        <p:spPr>
+          <a:xfrm>
+            <a:off x="533925" y="4767140"/>
+            <a:ext cx="3493264" cy="293414"/>
+          </a:xfrm>
+          <a:prstGeom prst="rect">
+            <a:avLst/>
+          </a:prstGeom>
+          <a:noFill/>
+        </p:spPr>
+        <p:txBody>
+          <a:bodyPr wrap="none" rtlCol="0" anchor="ctr">
+            <a:spAutoFit/>
+          </a:bodyPr>
+          <a:lstStyle/>
+          <a:p>
+            <a:pPr marL="171450" indent="-171450">
+              <a:lnSpc>
+                <a:spcPct val="150000"/>
+              </a:lnSpc>
+              <a:buFontTx/>
+              <a:buChar char="-"/>
+            </a:pPr>
+            <a:r>
+              <a:rPr lang="ko-KR" altLang="en-US" sz="1000" dirty="0" err="1">
+                <a:latin typeface="+mn-ea"/>
+              </a:rPr>
+              <a:t>선후딜이</a:t>
+            </a:r>
+            <a:r>
+              <a:rPr lang="ko-KR" altLang="en-US" sz="1000" dirty="0">
+                <a:latin typeface="+mn-ea"/>
+              </a:rPr>
+              <a:t> 빠른 스킬 모션으로 치고 빠지는 전투 스타일</a:t>
+            </a:r>
+            <a:endParaRPr lang="en-US" altLang="ko-KR" sz="1000" dirty="0">
+              <a:latin typeface="+mn-ea"/>
+            </a:endParaRPr>
+          </a:p>
+        </p:txBody>
+      </p:sp>
+      <p:sp>
+        <p:nvSpPr>
+          <p:cNvPr id="18" name="TextBox 17">
+            <a:extLst>
+              <a:ext uri="{FF2B5EF4-FFF2-40B4-BE49-F238E27FC236}">
+                <a16:creationId xmlns:a16="http://schemas.microsoft.com/office/drawing/2014/main" id="{24433684-9BF3-44C1-1275-9DF4631442C0}"/>
+              </a:ext>
+            </a:extLst>
+          </p:cNvPr>
+          <p:cNvSpPr txBox="1"/>
+          <p:nvPr/>
+        </p:nvSpPr>
+        <p:spPr>
+          <a:xfrm>
+            <a:off x="1779942" y="1073807"/>
+            <a:ext cx="692818" cy="246221"/>
+          </a:xfrm>
+          <a:prstGeom prst="rect">
+            <a:avLst/>
+          </a:prstGeom>
+          <a:noFill/>
+        </p:spPr>
+        <p:txBody>
+          <a:bodyPr wrap="none" rtlCol="0">
+            <a:spAutoFit/>
+          </a:bodyPr>
+          <a:lstStyle/>
+          <a:p>
+            <a:r>
+              <a:rPr lang="en-US" altLang="ko-KR" sz="1000" b="1" dirty="0">
+                <a:latin typeface="+mn-ea"/>
+              </a:rPr>
+              <a:t>#</a:t>
+            </a:r>
+            <a:r>
+              <a:rPr lang="ko-KR" altLang="en-US" sz="1000" b="1" dirty="0">
+                <a:latin typeface="+mn-ea"/>
+              </a:rPr>
+              <a:t>단일 적</a:t>
+            </a:r>
+            <a:endParaRPr lang="en-US" altLang="ko-KR" sz="1000" b="1" dirty="0">
+              <a:latin typeface="+mn-ea"/>
+            </a:endParaRPr>
+          </a:p>
+        </p:txBody>
+      </p:sp>
+      <p:sp>
+        <p:nvSpPr>
+          <p:cNvPr id="19" name="TextBox 18">
+            <a:extLst>
+              <a:ext uri="{FF2B5EF4-FFF2-40B4-BE49-F238E27FC236}">
+                <a16:creationId xmlns:a16="http://schemas.microsoft.com/office/drawing/2014/main" id="{5346FAA1-0E64-F1AC-72B2-A05B1D83C914}"/>
+              </a:ext>
+            </a:extLst>
+          </p:cNvPr>
+          <p:cNvSpPr txBox="1"/>
+          <p:nvPr/>
+        </p:nvSpPr>
+        <p:spPr>
+          <a:xfrm>
+            <a:off x="2707975" y="1073807"/>
+            <a:ext cx="1981633" cy="246221"/>
+          </a:xfrm>
+          <a:prstGeom prst="rect">
+            <a:avLst/>
+          </a:prstGeom>
+          <a:noFill/>
+        </p:spPr>
+        <p:txBody>
+          <a:bodyPr wrap="none" rtlCol="0">
+            <a:spAutoFit/>
+          </a:bodyPr>
+          <a:lstStyle/>
+          <a:p>
+            <a:r>
+              <a:rPr lang="en-US" altLang="ko-KR" sz="1000" b="1" dirty="0">
+                <a:latin typeface="+mn-ea"/>
+              </a:rPr>
+              <a:t>#</a:t>
+            </a:r>
+            <a:r>
+              <a:rPr lang="ko-KR" altLang="en-US" sz="1000" b="1" dirty="0">
+                <a:latin typeface="+mn-ea"/>
+              </a:rPr>
+              <a:t>광역 공격 위주의 무기와 조합</a:t>
+            </a:r>
+            <a:endParaRPr lang="en-US" altLang="ko-KR" sz="1000" b="1" dirty="0">
+              <a:latin typeface="+mn-ea"/>
+            </a:endParaRPr>
+          </a:p>
+        </p:txBody>
+      </p:sp>
+      <p:sp>
+        <p:nvSpPr>
+          <p:cNvPr id="21" name="TextBox 20">
+            <a:extLst>
+              <a:ext uri="{FF2B5EF4-FFF2-40B4-BE49-F238E27FC236}">
+                <a16:creationId xmlns:a16="http://schemas.microsoft.com/office/drawing/2014/main" id="{42E55706-B664-C6A7-C74F-AACAC32639A5}"/>
+              </a:ext>
+            </a:extLst>
+          </p:cNvPr>
+          <p:cNvSpPr txBox="1"/>
+          <p:nvPr/>
+        </p:nvSpPr>
+        <p:spPr>
+          <a:xfrm>
+            <a:off x="4924823" y="1073807"/>
+            <a:ext cx="949299" cy="246221"/>
+          </a:xfrm>
+          <a:prstGeom prst="rect">
+            <a:avLst/>
+          </a:prstGeom>
+          <a:noFill/>
+        </p:spPr>
+        <p:txBody>
+          <a:bodyPr wrap="none" rtlCol="0">
+            <a:spAutoFit/>
+          </a:bodyPr>
+          <a:lstStyle/>
+          <a:p>
+            <a:r>
+              <a:rPr lang="en-US" altLang="ko-KR" sz="1000" b="1" dirty="0">
+                <a:latin typeface="+mn-ea"/>
+              </a:rPr>
+              <a:t>#</a:t>
+            </a:r>
+            <a:r>
+              <a:rPr lang="ko-KR" altLang="en-US" sz="1000" b="1" dirty="0">
+                <a:latin typeface="+mn-ea"/>
+              </a:rPr>
+              <a:t>빠른 </a:t>
+            </a:r>
+            <a:r>
+              <a:rPr lang="ko-KR" altLang="en-US" sz="1000" b="1" dirty="0" err="1">
+                <a:latin typeface="+mn-ea"/>
+              </a:rPr>
+              <a:t>선후딜</a:t>
+            </a:r>
+            <a:endParaRPr lang="en-US" altLang="ko-KR" sz="1000" b="1" dirty="0">
+              <a:latin typeface="+mn-ea"/>
+            </a:endParaRPr>
+          </a:p>
+        </p:txBody>
+      </p:sp>
+    </p:spTree>
+    <p:extLst>
+      <p:ext uri="{BB962C8B-B14F-4D97-AF65-F5344CB8AC3E}">
+        <p14:creationId xmlns:p14="http://schemas.microsoft.com/office/powerpoint/2010/main" val="3265186188"/>
       </p:ext>
     </p:extLst>
   </p:cSld>
